--- a/java项目答辩.pptx
+++ b/java项目答辩.pptx
@@ -11,13 +11,17 @@
     <p:sldId id="265" r:id="rId5"/>
     <p:sldId id="266" r:id="rId6"/>
     <p:sldId id="267" r:id="rId7"/>
-    <p:sldId id="258" r:id="rId8"/>
-    <p:sldId id="259" r:id="rId9"/>
-    <p:sldId id="260" r:id="rId10"/>
-    <p:sldId id="261" r:id="rId11"/>
-    <p:sldId id="264" r:id="rId12"/>
-    <p:sldId id="268" r:id="rId13"/>
-    <p:sldId id="269" r:id="rId14"/>
+    <p:sldId id="271" r:id="rId8"/>
+    <p:sldId id="272" r:id="rId9"/>
+    <p:sldId id="273" r:id="rId10"/>
+    <p:sldId id="270" r:id="rId11"/>
+    <p:sldId id="258" r:id="rId12"/>
+    <p:sldId id="259" r:id="rId13"/>
+    <p:sldId id="260" r:id="rId14"/>
+    <p:sldId id="261" r:id="rId15"/>
+    <p:sldId id="264" r:id="rId16"/>
+    <p:sldId id="268" r:id="rId17"/>
+    <p:sldId id="269" r:id="rId18"/>
   </p:sldIdLst>
   <p:sldSz cx="9144000" cy="6858000" type="screen4x3"/>
   <p:notesSz cx="6858000" cy="9144000"/>
@@ -1931,7 +1935,7 @@
           <a:p>
             <a:fld id="{530820CF-B880-4189-942D-D702A7CBA730}" type="datetimeFigureOut">
               <a:rPr lang="zh-CN" altLang="en-US" smtClean="0"/>
-              <a:t>2012/12/18</a:t>
+              <a:t>2012/12/26</a:t>
             </a:fld>
             <a:endParaRPr lang="zh-CN" altLang="en-US"/>
           </a:p>
@@ -2112,7 +2116,7 @@
           <a:p>
             <a:fld id="{530820CF-B880-4189-942D-D702A7CBA730}" type="datetimeFigureOut">
               <a:rPr lang="zh-CN" altLang="en-US" smtClean="0"/>
-              <a:t>2012/12/18</a:t>
+              <a:t>2012/12/26</a:t>
             </a:fld>
             <a:endParaRPr lang="zh-CN" altLang="en-US"/>
           </a:p>
@@ -2263,7 +2267,7 @@
           <a:p>
             <a:fld id="{530820CF-B880-4189-942D-D702A7CBA730}" type="datetimeFigureOut">
               <a:rPr lang="zh-CN" altLang="en-US" smtClean="0"/>
-              <a:t>2012/12/18</a:t>
+              <a:t>2012/12/26</a:t>
             </a:fld>
             <a:endParaRPr lang="zh-CN" altLang="en-US"/>
           </a:p>
@@ -4089,7 +4093,7 @@
           <a:p>
             <a:fld id="{530820CF-B880-4189-942D-D702A7CBA730}" type="datetimeFigureOut">
               <a:rPr lang="zh-CN" altLang="en-US" smtClean="0"/>
-              <a:t>2012/12/18</a:t>
+              <a:t>2012/12/26</a:t>
             </a:fld>
             <a:endParaRPr lang="zh-CN" altLang="en-US"/>
           </a:p>
@@ -5959,7 +5963,7 @@
           <a:p>
             <a:fld id="{530820CF-B880-4189-942D-D702A7CBA730}" type="datetimeFigureOut">
               <a:rPr lang="zh-CN" altLang="en-US" smtClean="0"/>
-              <a:t>2012/12/18</a:t>
+              <a:t>2012/12/26</a:t>
             </a:fld>
             <a:endParaRPr lang="zh-CN" altLang="en-US"/>
           </a:p>
@@ -6072,7 +6076,7 @@
           <a:p>
             <a:fld id="{530820CF-B880-4189-942D-D702A7CBA730}" type="datetimeFigureOut">
               <a:rPr lang="zh-CN" altLang="en-US" smtClean="0"/>
-              <a:t>2012/12/18</a:t>
+              <a:t>2012/12/26</a:t>
             </a:fld>
             <a:endParaRPr lang="zh-CN" altLang="en-US"/>
           </a:p>
@@ -6613,7 +6617,7 @@
           <a:p>
             <a:fld id="{530820CF-B880-4189-942D-D702A7CBA730}" type="datetimeFigureOut">
               <a:rPr lang="zh-CN" altLang="en-US" smtClean="0"/>
-              <a:t>2012/12/18</a:t>
+              <a:t>2012/12/26</a:t>
             </a:fld>
             <a:endParaRPr lang="zh-CN" altLang="en-US"/>
           </a:p>
@@ -6726,7 +6730,7 @@
           <a:p>
             <a:fld id="{530820CF-B880-4189-942D-D702A7CBA730}" type="datetimeFigureOut">
               <a:rPr lang="zh-CN" altLang="en-US" smtClean="0"/>
-              <a:t>2012/12/18</a:t>
+              <a:t>2012/12/26</a:t>
             </a:fld>
             <a:endParaRPr lang="zh-CN" altLang="en-US"/>
           </a:p>
@@ -8437,7 +8441,7 @@
           <a:p>
             <a:fld id="{530820CF-B880-4189-942D-D702A7CBA730}" type="datetimeFigureOut">
               <a:rPr lang="zh-CN" altLang="en-US" smtClean="0"/>
-              <a:t>2012/12/18</a:t>
+              <a:t>2012/12/26</a:t>
             </a:fld>
             <a:endParaRPr lang="zh-CN" altLang="en-US"/>
           </a:p>
@@ -8588,7 +8592,7 @@
           <a:p>
             <a:fld id="{530820CF-B880-4189-942D-D702A7CBA730}" type="datetimeFigureOut">
               <a:rPr lang="zh-CN" altLang="en-US" smtClean="0"/>
-              <a:t>2012/12/18</a:t>
+              <a:t>2012/12/26</a:t>
             </a:fld>
             <a:endParaRPr lang="zh-CN" altLang="en-US"/>
           </a:p>
@@ -12203,7 +12207,7 @@
           <a:p>
             <a:fld id="{530820CF-B880-4189-942D-D702A7CBA730}" type="datetimeFigureOut">
               <a:rPr lang="zh-CN" altLang="en-US" smtClean="0"/>
-              <a:t>2012/12/18</a:t>
+              <a:t>2012/12/26</a:t>
             </a:fld>
             <a:endParaRPr lang="zh-CN" altLang="en-US"/>
           </a:p>
@@ -14062,7 +14066,7 @@
           <a:p>
             <a:fld id="{530820CF-B880-4189-942D-D702A7CBA730}" type="datetimeFigureOut">
               <a:rPr lang="zh-CN" altLang="en-US" smtClean="0"/>
-              <a:t>2012/12/18</a:t>
+              <a:t>2012/12/26</a:t>
             </a:fld>
             <a:endParaRPr lang="zh-CN" altLang="en-US"/>
           </a:p>
@@ -14695,7 +14699,77 @@
       </p:grpSpPr>
       <p:sp>
         <p:nvSpPr>
-          <p:cNvPr id="2" name="标题 1"/>
+          <p:cNvPr id="2" name="内容占位符 1"/>
+          <p:cNvSpPr>
+            <a:spLocks noGrp="1"/>
+          </p:cNvSpPr>
+          <p:nvPr>
+            <p:ph idx="1"/>
+          </p:nvPr>
+        </p:nvSpPr>
+        <p:spPr/>
+        <p:txBody>
+          <a:bodyPr/>
+          <a:lstStyle/>
+          <a:p>
+            <a:r>
+              <a:rPr lang="zh-CN" altLang="en-US" dirty="0" smtClean="0"/>
+              <a:t>提供</a:t>
+            </a:r>
+            <a:r>
+              <a:rPr lang="en-US" altLang="zh-CN" dirty="0" smtClean="0"/>
+              <a:t>4</a:t>
+            </a:r>
+            <a:r>
+              <a:rPr lang="zh-CN" altLang="en-US" dirty="0" smtClean="0"/>
+              <a:t>种不同风格的背景音乐供用户选择</a:t>
+            </a:r>
+            <a:endParaRPr lang="en-US" altLang="zh-CN" dirty="0" smtClean="0"/>
+          </a:p>
+          <a:p>
+            <a:r>
+              <a:rPr lang="zh-CN" altLang="en-US" dirty="0" smtClean="0"/>
+              <a:t>运用</a:t>
+            </a:r>
+            <a:r>
+              <a:rPr lang="en-US" altLang="zh-CN" dirty="0" smtClean="0"/>
+              <a:t>Applet</a:t>
+            </a:r>
+            <a:r>
+              <a:rPr lang="zh-CN" altLang="en-US" dirty="0" smtClean="0"/>
+              <a:t>中的</a:t>
+            </a:r>
+            <a:r>
+              <a:rPr lang="en-US" altLang="zh-CN" dirty="0" err="1" smtClean="0"/>
+              <a:t>AudioClip</a:t>
+            </a:r>
+            <a:r>
+              <a:rPr lang="zh-CN" altLang="en-US" dirty="0"/>
+              <a:t> </a:t>
+            </a:r>
+            <a:r>
+              <a:rPr lang="zh-CN" altLang="en-US" dirty="0" smtClean="0"/>
+              <a:t>制作，期间曾经尝试过用</a:t>
+            </a:r>
+            <a:r>
+              <a:rPr lang="en-US" altLang="zh-CN" dirty="0" smtClean="0"/>
+              <a:t>JMF</a:t>
+            </a:r>
+            <a:r>
+              <a:rPr lang="zh-CN" altLang="en-US" dirty="0" smtClean="0"/>
+              <a:t>制作，但是带来的问题的载入到内存中消耗一定时间，需要增加载入时间，作为一个小游戏，考虑到速度的问题，最终还原到了</a:t>
+            </a:r>
+            <a:r>
+              <a:rPr lang="en-US" altLang="zh-CN" dirty="0" err="1" smtClean="0"/>
+              <a:t>AduioClip</a:t>
+            </a:r>
+            <a:endParaRPr lang="zh-CN" altLang="en-US" dirty="0"/>
+          </a:p>
+        </p:txBody>
+      </p:sp>
+      <p:sp>
+        <p:nvSpPr>
+          <p:cNvPr id="3" name="标题 2"/>
           <p:cNvSpPr>
             <a:spLocks noGrp="1"/>
           </p:cNvSpPr>
@@ -14710,247 +14784,7 @@
           <a:p>
             <a:r>
               <a:rPr lang="zh-CN" altLang="en-US" dirty="0" smtClean="0"/>
-              <a:t>位运算与普通方法比较</a:t>
-            </a:r>
-            <a:r>
-              <a:rPr lang="en-US" altLang="zh-CN" dirty="0" smtClean="0"/>
-              <a:t>(3)</a:t>
-            </a:r>
-            <a:endParaRPr lang="zh-CN" altLang="en-US" dirty="0"/>
-          </a:p>
-        </p:txBody>
-      </p:sp>
-      <p:sp>
-        <p:nvSpPr>
-          <p:cNvPr id="3" name="文本占位符 2"/>
-          <p:cNvSpPr>
-            <a:spLocks noGrp="1"/>
-          </p:cNvSpPr>
-          <p:nvPr>
-            <p:ph type="body" idx="1"/>
-          </p:nvPr>
-        </p:nvSpPr>
-        <p:spPr/>
-        <p:txBody>
-          <a:bodyPr/>
-          <a:lstStyle/>
-          <a:p>
-            <a:r>
-              <a:rPr lang="zh-CN" altLang="en-US" dirty="0" smtClean="0"/>
-              <a:t>普通方法</a:t>
-            </a:r>
-            <a:endParaRPr lang="zh-CN" altLang="en-US" dirty="0"/>
-          </a:p>
-        </p:txBody>
-      </p:sp>
-      <p:sp>
-        <p:nvSpPr>
-          <p:cNvPr id="4" name="内容占位符 3"/>
-          <p:cNvSpPr>
-            <a:spLocks noGrp="1"/>
-          </p:cNvSpPr>
-          <p:nvPr>
-            <p:ph sz="half" idx="2"/>
-          </p:nvPr>
-        </p:nvSpPr>
-        <p:spPr/>
-        <p:txBody>
-          <a:bodyPr/>
-          <a:lstStyle/>
-          <a:p>
-            <a:r>
-              <a:rPr lang="en-US" altLang="zh-CN" dirty="0" smtClean="0"/>
-              <a:t>Boolean </a:t>
-            </a:r>
-            <a:r>
-              <a:rPr lang="en-US" altLang="zh-CN" dirty="0" err="1" smtClean="0"/>
-              <a:t>newBlock</a:t>
-            </a:r>
-            <a:r>
-              <a:rPr lang="en-US" altLang="zh-CN" dirty="0" smtClean="0"/>
-              <a:t>[4][4];</a:t>
-            </a:r>
-          </a:p>
-          <a:p>
-            <a:r>
-              <a:rPr lang="en-US" altLang="zh-CN" dirty="0" err="1" smtClean="0"/>
-              <a:t>newBlock</a:t>
-            </a:r>
-            <a:r>
-              <a:rPr lang="en-US" altLang="zh-CN" dirty="0" smtClean="0"/>
-              <a:t>[2][</a:t>
-            </a:r>
-            <a:r>
-              <a:rPr lang="en-US" altLang="zh-CN" dirty="0"/>
-              <a:t>2</a:t>
-            </a:r>
-            <a:r>
-              <a:rPr lang="en-US" altLang="zh-CN" dirty="0" smtClean="0"/>
-              <a:t>]=true;</a:t>
-            </a:r>
-          </a:p>
-          <a:p>
-            <a:r>
-              <a:rPr lang="en-US" altLang="zh-CN" dirty="0" err="1" smtClean="0"/>
-              <a:t>newBlock</a:t>
-            </a:r>
-            <a:r>
-              <a:rPr lang="en-US" altLang="zh-CN" dirty="0" smtClean="0"/>
-              <a:t>[2][3]=true;</a:t>
-            </a:r>
-          </a:p>
-          <a:p>
-            <a:r>
-              <a:rPr lang="en-US" altLang="zh-CN" dirty="0" err="1" smtClean="0"/>
-              <a:t>newBlock</a:t>
-            </a:r>
-            <a:r>
-              <a:rPr lang="en-US" altLang="zh-CN" dirty="0" smtClean="0"/>
-              <a:t>[3][</a:t>
-            </a:r>
-            <a:r>
-              <a:rPr lang="en-US" altLang="zh-CN" dirty="0"/>
-              <a:t>2</a:t>
-            </a:r>
-            <a:r>
-              <a:rPr lang="en-US" altLang="zh-CN" dirty="0" smtClean="0"/>
-              <a:t>]=true;</a:t>
-            </a:r>
-          </a:p>
-          <a:p>
-            <a:r>
-              <a:rPr lang="en-US" altLang="zh-CN" dirty="0" err="1" smtClean="0"/>
-              <a:t>newBlock</a:t>
-            </a:r>
-            <a:r>
-              <a:rPr lang="en-US" altLang="zh-CN" dirty="0" smtClean="0"/>
-              <a:t>[3][3]=true;</a:t>
-            </a:r>
-            <a:endParaRPr lang="zh-CN" altLang="en-US" dirty="0"/>
-          </a:p>
-        </p:txBody>
-      </p:sp>
-      <p:sp>
-        <p:nvSpPr>
-          <p:cNvPr id="5" name="文本占位符 4"/>
-          <p:cNvSpPr>
-            <a:spLocks noGrp="1"/>
-          </p:cNvSpPr>
-          <p:nvPr>
-            <p:ph type="body" sz="quarter" idx="3"/>
-          </p:nvPr>
-        </p:nvSpPr>
-        <p:spPr/>
-        <p:txBody>
-          <a:bodyPr/>
-          <a:lstStyle/>
-          <a:p>
-            <a:r>
-              <a:rPr lang="zh-CN" altLang="en-US" dirty="0"/>
-              <a:t>位运算</a:t>
-            </a:r>
-          </a:p>
-        </p:txBody>
-      </p:sp>
-      <p:sp>
-        <p:nvSpPr>
-          <p:cNvPr id="6" name="内容占位符 5"/>
-          <p:cNvSpPr>
-            <a:spLocks noGrp="1"/>
-          </p:cNvSpPr>
-          <p:nvPr>
-            <p:ph sz="quarter" idx="4"/>
-          </p:nvPr>
-        </p:nvSpPr>
-        <p:spPr/>
-        <p:txBody>
-          <a:bodyPr/>
-          <a:lstStyle/>
-          <a:p>
-            <a:r>
-              <a:rPr lang="en-US" altLang="zh-CN" dirty="0" err="1" smtClean="0"/>
-              <a:t>Int</a:t>
-            </a:r>
-            <a:r>
-              <a:rPr lang="en-US" altLang="zh-CN" dirty="0" smtClean="0"/>
-              <a:t> </a:t>
-            </a:r>
-            <a:r>
-              <a:rPr lang="en-US" altLang="zh-CN" dirty="0" err="1" smtClean="0"/>
-              <a:t>newBlock</a:t>
-            </a:r>
-            <a:r>
-              <a:rPr lang="en-US" altLang="zh-CN" dirty="0" smtClean="0"/>
-              <a:t>;</a:t>
-            </a:r>
-          </a:p>
-          <a:p>
-            <a:r>
-              <a:rPr lang="en-US" altLang="zh-CN" dirty="0" err="1" smtClean="0"/>
-              <a:t>newBlock</a:t>
-            </a:r>
-            <a:r>
-              <a:rPr lang="en-US" altLang="zh-CN" dirty="0" smtClean="0"/>
-              <a:t>=102;    </a:t>
-            </a:r>
-          </a:p>
-          <a:p>
-            <a:endParaRPr lang="en-US" altLang="zh-CN" dirty="0"/>
-          </a:p>
-          <a:p>
-            <a:r>
-              <a:rPr lang="en-US" altLang="zh-CN" dirty="0" smtClean="0"/>
-              <a:t>//102=(0110 0110)b</a:t>
-            </a:r>
-            <a:endParaRPr lang="zh-CN" altLang="en-US" dirty="0"/>
-          </a:p>
-        </p:txBody>
-      </p:sp>
-      <p:sp>
-        <p:nvSpPr>
-          <p:cNvPr id="7" name="TextBox 6"/>
-          <p:cNvSpPr txBox="1"/>
-          <p:nvPr/>
-        </p:nvSpPr>
-        <p:spPr>
-          <a:xfrm>
-            <a:off x="1187624" y="1628800"/>
-            <a:ext cx="6912768" cy="646331"/>
-          </a:xfrm>
-          <a:prstGeom prst="rect">
-            <a:avLst/>
-          </a:prstGeom>
-          <a:noFill/>
-        </p:spPr>
-        <p:txBody>
-          <a:bodyPr wrap="square" rtlCol="0">
-            <a:spAutoFit/>
-          </a:bodyPr>
-          <a:lstStyle/>
-          <a:p>
-            <a:r>
-              <a:rPr lang="en-US" altLang="zh-CN" dirty="0"/>
-              <a:t> </a:t>
-            </a:r>
-            <a:r>
-              <a:rPr lang="zh-CN" altLang="en-US" dirty="0" smtClean="0"/>
-              <a:t>创建一个方块（这里创建的意思是设定好一个方块的形状，具体由另外一个接口创建</a:t>
-            </a:r>
-            <a:r>
-              <a:rPr lang="en-US" altLang="zh-CN" dirty="0" smtClean="0"/>
-              <a:t>)</a:t>
-            </a:r>
-            <a:r>
-              <a:rPr lang="zh-CN" altLang="en-US" dirty="0" smtClean="0"/>
-              <a:t>以田字型</a:t>
-            </a:r>
-            <a:r>
-              <a:rPr lang="zh-CN" altLang="en-US" dirty="0"/>
-              <a:t>方块</a:t>
-            </a:r>
-            <a:r>
-              <a:rPr lang="zh-CN" altLang="en-US" dirty="0" smtClean="0"/>
-              <a:t>为例</a:t>
+              <a:t>音频音效</a:t>
             </a:r>
             <a:endParaRPr lang="zh-CN" altLang="en-US" dirty="0"/>
           </a:p>
@@ -14959,20 +14793,13 @@
     </p:spTree>
     <p:extLst>
       <p:ext uri="{BB962C8B-B14F-4D97-AF65-F5344CB8AC3E}">
-        <p14:creationId xmlns:p14="http://schemas.microsoft.com/office/powerpoint/2010/main" val="320637979"/>
+        <p14:creationId xmlns:p14="http://schemas.microsoft.com/office/powerpoint/2010/main" val="3106356092"/>
       </p:ext>
     </p:extLst>
   </p:cSld>
   <p:clrMapOvr>
     <a:masterClrMapping/>
   </p:clrMapOvr>
-  <p:timing>
-    <p:tnLst>
-      <p:par>
-        <p:cTn id="1" dur="indefinite" restart="never" nodeType="tmRoot"/>
-      </p:par>
-    </p:tnLst>
-  </p:timing>
 </p:sld>
 </file>
 
@@ -15005,27 +14832,184 @@
         </p:nvSpPr>
         <p:spPr/>
         <p:txBody>
-          <a:bodyPr/>
+          <a:bodyPr>
+            <a:normAutofit lnSpcReduction="10000"/>
+          </a:bodyPr>
           <a:lstStyle/>
           <a:p>
             <a:r>
               <a:rPr lang="zh-CN" altLang="en-US" dirty="0" smtClean="0"/>
-              <a:t>在刚刚开始做完俄罗斯方块的基本功能时，运行游戏，玩</a:t>
+              <a:t>游戏每一层为</a:t>
             </a:r>
             <a:r>
               <a:rPr lang="en-US" altLang="zh-CN" dirty="0" smtClean="0"/>
-              <a:t>10</a:t>
+              <a:t>20</a:t>
             </a:r>
             <a:r>
               <a:rPr lang="zh-CN" altLang="en-US" dirty="0" smtClean="0"/>
-              <a:t>分钟会崩溃一次。。。。</a:t>
+              <a:t>个方块，一共</a:t>
+            </a:r>
+            <a:r>
+              <a:rPr lang="en-US" altLang="zh-CN" dirty="0" smtClean="0"/>
+              <a:t>25</a:t>
+            </a:r>
+            <a:r>
+              <a:rPr lang="zh-CN" altLang="en-US" dirty="0" smtClean="0"/>
+              <a:t>层。于是，需要一个</a:t>
+            </a:r>
+            <a:r>
+              <a:rPr lang="en-US" altLang="zh-CN" dirty="0" smtClean="0"/>
+              <a:t>bitmap</a:t>
+            </a:r>
+            <a:r>
+              <a:rPr lang="zh-CN" altLang="en-US" dirty="0" smtClean="0"/>
+              <a:t>的数据结构存储游戏每一层的状态。</a:t>
             </a:r>
             <a:endParaRPr lang="en-US" altLang="zh-CN" dirty="0" smtClean="0"/>
           </a:p>
           <a:p>
             <a:r>
               <a:rPr lang="zh-CN" altLang="en-US" dirty="0" smtClean="0"/>
-              <a:t>原因是在多线程处理的时候，比方说，方块正在下落的时候，用户按下了移动方块或者改变方块按钮的键。。这时候，出现很大的问题，导致坐标混乱，出现崩溃或者其他现象。</a:t>
+              <a:t>容易想到用一个</a:t>
+            </a:r>
+            <a:r>
+              <a:rPr lang="en-US" altLang="zh-CN" dirty="0" err="1" smtClean="0"/>
+              <a:t>boolean</a:t>
+            </a:r>
+            <a:r>
+              <a:rPr lang="en-US" altLang="zh-CN" dirty="0" smtClean="0"/>
+              <a:t> view[25][20]</a:t>
+            </a:r>
+            <a:r>
+              <a:rPr lang="zh-CN" altLang="en-US" dirty="0" smtClean="0"/>
+              <a:t>的数据结构表示目前已经堆好的方块的状态。</a:t>
+            </a:r>
+            <a:endParaRPr lang="en-US" altLang="zh-CN" dirty="0" smtClean="0"/>
+          </a:p>
+          <a:p>
+            <a:r>
+              <a:rPr lang="zh-CN" altLang="en-US" dirty="0">
+                <a:solidFill>
+                  <a:srgbClr val="FF0000"/>
+                </a:solidFill>
+              </a:rPr>
+              <a:t>位</a:t>
+            </a:r>
+            <a:r>
+              <a:rPr lang="zh-CN" altLang="en-US" dirty="0" smtClean="0">
+                <a:solidFill>
+                  <a:srgbClr val="FF0000"/>
+                </a:solidFill>
+              </a:rPr>
+              <a:t>运算的优化</a:t>
+            </a:r>
+            <a:r>
+              <a:rPr lang="zh-CN" altLang="en-US" dirty="0" smtClean="0"/>
+              <a:t>：一个</a:t>
+            </a:r>
+            <a:r>
+              <a:rPr lang="en-US" altLang="zh-CN" dirty="0" err="1" smtClean="0"/>
+              <a:t>int</a:t>
+            </a:r>
+            <a:r>
+              <a:rPr lang="en-US" altLang="zh-CN" dirty="0" smtClean="0"/>
+              <a:t> </a:t>
+            </a:r>
+            <a:r>
+              <a:rPr lang="zh-CN" altLang="en-US" dirty="0" smtClean="0"/>
+              <a:t>类型占</a:t>
+            </a:r>
+            <a:r>
+              <a:rPr lang="en-US" altLang="zh-CN" dirty="0" smtClean="0"/>
+              <a:t>4</a:t>
+            </a:r>
+            <a:r>
+              <a:rPr lang="zh-CN" altLang="en-US" dirty="0" smtClean="0"/>
+              <a:t>个字节，有</a:t>
+            </a:r>
+            <a:r>
+              <a:rPr lang="en-US" altLang="zh-CN" dirty="0" smtClean="0"/>
+              <a:t>32</a:t>
+            </a:r>
+            <a:r>
+              <a:rPr lang="zh-CN" altLang="en-US" dirty="0" smtClean="0"/>
+              <a:t>位</a:t>
+            </a:r>
+            <a:r>
+              <a:rPr lang="en-US" altLang="zh-CN" dirty="0" smtClean="0"/>
+              <a:t>0/1</a:t>
+            </a:r>
+            <a:r>
+              <a:rPr lang="zh-CN" altLang="en-US" dirty="0" smtClean="0"/>
+              <a:t>数字。取最后</a:t>
+            </a:r>
+            <a:r>
+              <a:rPr lang="en-US" altLang="zh-CN" dirty="0" smtClean="0"/>
+              <a:t>20</a:t>
+            </a:r>
+            <a:r>
+              <a:rPr lang="zh-CN" altLang="en-US" dirty="0" smtClean="0"/>
+              <a:t>位用来表示每一层的状态，例如，当一个</a:t>
+            </a:r>
+            <a:r>
+              <a:rPr lang="en-US" altLang="zh-CN" dirty="0" err="1" smtClean="0"/>
+              <a:t>int</a:t>
+            </a:r>
+            <a:r>
+              <a:rPr lang="en-US" altLang="zh-CN" dirty="0" smtClean="0"/>
+              <a:t> x=</a:t>
+            </a:r>
+            <a:r>
+              <a:rPr lang="en-US" altLang="zh-CN" dirty="0"/>
+              <a:t>(</a:t>
+            </a:r>
+            <a:r>
+              <a:rPr lang="en-US" altLang="zh-CN" dirty="0" smtClean="0"/>
+              <a:t>0100 0101 1001 1101 0001)B</a:t>
+            </a:r>
+            <a:r>
+              <a:rPr lang="zh-CN" altLang="en-US" dirty="0" smtClean="0"/>
+              <a:t>时，</a:t>
+            </a:r>
+            <a:r>
+              <a:rPr lang="en-US" altLang="zh-CN" dirty="0" smtClean="0"/>
+              <a:t>1</a:t>
+            </a:r>
+            <a:r>
+              <a:rPr lang="zh-CN" altLang="en-US" dirty="0" smtClean="0"/>
+              <a:t>的位置表示这个地方有方块，</a:t>
+            </a:r>
+            <a:r>
+              <a:rPr lang="en-US" altLang="zh-CN" dirty="0" smtClean="0"/>
+              <a:t>0</a:t>
+            </a:r>
+            <a:r>
+              <a:rPr lang="zh-CN" altLang="en-US" dirty="0" smtClean="0"/>
+              <a:t>的地方表示这个地方没有方块。</a:t>
+            </a:r>
+            <a:r>
+              <a:rPr lang="zh-CN" altLang="en-US" dirty="0"/>
+              <a:t>因此</a:t>
+            </a:r>
+            <a:r>
+              <a:rPr lang="zh-CN" altLang="en-US" dirty="0" smtClean="0"/>
+              <a:t>，</a:t>
+            </a:r>
+            <a:r>
+              <a:rPr lang="en-US" altLang="zh-CN" dirty="0" smtClean="0"/>
+              <a:t>bitmap</a:t>
+            </a:r>
+            <a:r>
+              <a:rPr lang="zh-CN" altLang="en-US" dirty="0" smtClean="0"/>
+              <a:t>数据结构可以被优化到</a:t>
+            </a:r>
+            <a:r>
+              <a:rPr lang="en-US" altLang="zh-CN" dirty="0" err="1" smtClean="0"/>
+              <a:t>int</a:t>
+            </a:r>
+            <a:r>
+              <a:rPr lang="en-US" altLang="zh-CN" dirty="0" smtClean="0"/>
+              <a:t> view[25]</a:t>
             </a:r>
             <a:endParaRPr lang="zh-CN" altLang="en-US" dirty="0"/>
           </a:p>
@@ -15048,7 +15032,7 @@
           <a:p>
             <a:r>
               <a:rPr lang="zh-CN" altLang="en-US" dirty="0" smtClean="0"/>
-              <a:t>项目遇到的困难</a:t>
+              <a:t>位运算</a:t>
             </a:r>
             <a:endParaRPr lang="zh-CN" altLang="en-US" dirty="0"/>
           </a:p>
@@ -15057,7 +15041,7 @@
     </p:spTree>
     <p:extLst>
       <p:ext uri="{BB962C8B-B14F-4D97-AF65-F5344CB8AC3E}">
-        <p14:creationId xmlns:p14="http://schemas.microsoft.com/office/powerpoint/2010/main" val="2058975298"/>
+        <p14:creationId xmlns:p14="http://schemas.microsoft.com/office/powerpoint/2010/main" val="3878816464"/>
       </p:ext>
     </p:extLst>
   </p:cSld>
@@ -15093,6 +15077,1241 @@
       </p:grpSpPr>
       <p:sp>
         <p:nvSpPr>
+          <p:cNvPr id="4" name="标题 3"/>
+          <p:cNvSpPr>
+            <a:spLocks noGrp="1"/>
+          </p:cNvSpPr>
+          <p:nvPr>
+            <p:ph type="title"/>
+          </p:nvPr>
+        </p:nvSpPr>
+        <p:spPr/>
+        <p:txBody>
+          <a:bodyPr/>
+          <a:lstStyle/>
+          <a:p>
+            <a:r>
+              <a:rPr lang="zh-CN" altLang="en-US" smtClean="0"/>
+              <a:t>位运算与普通方法比较（</a:t>
+            </a:r>
+            <a:r>
+              <a:rPr lang="en-US" altLang="zh-CN" smtClean="0"/>
+              <a:t>1</a:t>
+            </a:r>
+            <a:r>
+              <a:rPr lang="zh-CN" altLang="en-US" smtClean="0"/>
+              <a:t>）</a:t>
+            </a:r>
+            <a:endParaRPr lang="zh-CN" altLang="en-US" dirty="0"/>
+          </a:p>
+        </p:txBody>
+      </p:sp>
+      <p:sp>
+        <p:nvSpPr>
+          <p:cNvPr id="5" name="文本占位符 4"/>
+          <p:cNvSpPr>
+            <a:spLocks noGrp="1"/>
+          </p:cNvSpPr>
+          <p:nvPr>
+            <p:ph type="body" idx="1"/>
+          </p:nvPr>
+        </p:nvSpPr>
+        <p:spPr/>
+        <p:txBody>
+          <a:bodyPr/>
+          <a:lstStyle/>
+          <a:p>
+            <a:r>
+              <a:rPr lang="zh-CN" altLang="en-US" smtClean="0"/>
+              <a:t>普通方法</a:t>
+            </a:r>
+            <a:endParaRPr lang="zh-CN" altLang="en-US" dirty="0"/>
+          </a:p>
+        </p:txBody>
+      </p:sp>
+      <p:sp>
+        <p:nvSpPr>
+          <p:cNvPr id="6" name="内容占位符 5"/>
+          <p:cNvSpPr>
+            <a:spLocks noGrp="1"/>
+          </p:cNvSpPr>
+          <p:nvPr>
+            <p:ph sz="half" idx="2"/>
+          </p:nvPr>
+        </p:nvSpPr>
+        <p:spPr/>
+        <p:txBody>
+          <a:bodyPr>
+            <a:normAutofit/>
+          </a:bodyPr>
+          <a:lstStyle/>
+          <a:p>
+            <a:r>
+              <a:rPr lang="zh-CN" altLang="en-US" dirty="0" smtClean="0"/>
+              <a:t>采用</a:t>
+            </a:r>
+            <a:r>
+              <a:rPr lang="en-US" altLang="zh-CN" dirty="0" err="1" smtClean="0"/>
+              <a:t>boolean</a:t>
+            </a:r>
+            <a:r>
+              <a:rPr lang="en-US" altLang="zh-CN" dirty="0" smtClean="0"/>
+              <a:t> view[25][20]</a:t>
+            </a:r>
+            <a:r>
+              <a:rPr lang="zh-CN" altLang="en-US" dirty="0" smtClean="0"/>
+              <a:t>的数据结构</a:t>
+            </a:r>
+            <a:endParaRPr lang="en-US" altLang="zh-CN" dirty="0" smtClean="0"/>
+          </a:p>
+          <a:p>
+            <a:r>
+              <a:rPr lang="en-US" altLang="zh-CN" dirty="0" smtClean="0"/>
+              <a:t>For (</a:t>
+            </a:r>
+            <a:r>
+              <a:rPr lang="en-US" altLang="zh-CN" dirty="0" err="1" smtClean="0"/>
+              <a:t>int</a:t>
+            </a:r>
+            <a:r>
+              <a:rPr lang="en-US" altLang="zh-CN" dirty="0" smtClean="0"/>
+              <a:t> j=0; j&lt;20; j++)</a:t>
+            </a:r>
+          </a:p>
+          <a:p>
+            <a:r>
+              <a:rPr lang="en-US" altLang="zh-CN" dirty="0" smtClean="0"/>
+              <a:t>{</a:t>
+            </a:r>
+          </a:p>
+          <a:p>
+            <a:r>
+              <a:rPr lang="en-US" altLang="zh-CN" dirty="0" smtClean="0"/>
+              <a:t>	If (!view[</a:t>
+            </a:r>
+            <a:r>
+              <a:rPr lang="en-US" altLang="zh-CN" dirty="0" err="1" smtClean="0"/>
+              <a:t>i</a:t>
+            </a:r>
+            <a:r>
+              <a:rPr lang="en-US" altLang="zh-CN" dirty="0" smtClean="0"/>
+              <a:t>][j]) return false</a:t>
+            </a:r>
+            <a:r>
+              <a:rPr lang="zh-CN" altLang="en-US" dirty="0" smtClean="0"/>
+              <a:t>；</a:t>
+            </a:r>
+            <a:endParaRPr lang="en-US" altLang="zh-CN" dirty="0" smtClean="0"/>
+          </a:p>
+          <a:p>
+            <a:r>
+              <a:rPr lang="en-US" altLang="zh-CN" dirty="0" smtClean="0"/>
+              <a:t>}</a:t>
+            </a:r>
+          </a:p>
+          <a:p>
+            <a:r>
+              <a:rPr lang="en-US" altLang="zh-CN" dirty="0" smtClean="0"/>
+              <a:t>Return true</a:t>
+            </a:r>
+            <a:r>
+              <a:rPr lang="zh-CN" altLang="en-US" dirty="0" smtClean="0"/>
+              <a:t>；</a:t>
+            </a:r>
+            <a:endParaRPr lang="zh-CN" altLang="en-US" dirty="0"/>
+          </a:p>
+        </p:txBody>
+      </p:sp>
+      <p:sp>
+        <p:nvSpPr>
+          <p:cNvPr id="7" name="文本占位符 6"/>
+          <p:cNvSpPr>
+            <a:spLocks noGrp="1"/>
+          </p:cNvSpPr>
+          <p:nvPr>
+            <p:ph type="body" sz="quarter" idx="3"/>
+          </p:nvPr>
+        </p:nvSpPr>
+        <p:spPr/>
+        <p:txBody>
+          <a:bodyPr/>
+          <a:lstStyle/>
+          <a:p>
+            <a:r>
+              <a:rPr lang="zh-CN" altLang="en-US" dirty="0" smtClean="0"/>
+              <a:t>位运算</a:t>
+            </a:r>
+            <a:endParaRPr lang="zh-CN" altLang="en-US" dirty="0"/>
+          </a:p>
+        </p:txBody>
+      </p:sp>
+      <p:sp>
+        <p:nvSpPr>
+          <p:cNvPr id="8" name="内容占位符 7"/>
+          <p:cNvSpPr>
+            <a:spLocks noGrp="1"/>
+          </p:cNvSpPr>
+          <p:nvPr>
+            <p:ph sz="quarter" idx="4"/>
+          </p:nvPr>
+        </p:nvSpPr>
+        <p:spPr/>
+        <p:txBody>
+          <a:bodyPr>
+            <a:normAutofit lnSpcReduction="10000"/>
+          </a:bodyPr>
+          <a:lstStyle/>
+          <a:p>
+            <a:r>
+              <a:rPr lang="zh-CN" altLang="en-US" dirty="0" smtClean="0"/>
+              <a:t>采用 </a:t>
+            </a:r>
+            <a:r>
+              <a:rPr lang="en-US" altLang="zh-CN" dirty="0" err="1" smtClean="0"/>
+              <a:t>int</a:t>
+            </a:r>
+            <a:r>
+              <a:rPr lang="en-US" altLang="zh-CN" dirty="0" smtClean="0"/>
+              <a:t> view[25]</a:t>
+            </a:r>
+            <a:r>
+              <a:rPr lang="zh-CN" altLang="en-US" dirty="0" smtClean="0"/>
+              <a:t>的数据结构</a:t>
+            </a:r>
+            <a:endParaRPr lang="en-US" altLang="zh-CN" dirty="0" smtClean="0"/>
+          </a:p>
+          <a:p>
+            <a:r>
+              <a:rPr lang="en-US" altLang="zh-CN" dirty="0" smtClean="0"/>
+              <a:t>If (view[</a:t>
+            </a:r>
+            <a:r>
+              <a:rPr lang="en-US" altLang="zh-CN" dirty="0" err="1" smtClean="0"/>
+              <a:t>i</a:t>
+            </a:r>
+            <a:r>
+              <a:rPr lang="en-US" altLang="zh-CN" dirty="0" smtClean="0"/>
+              <a:t>]==(1&lt;&lt;20)-1) </a:t>
+            </a:r>
+          </a:p>
+          <a:p>
+            <a:pPr lvl="2"/>
+            <a:r>
+              <a:rPr lang="en-US" altLang="zh-CN" dirty="0" smtClean="0"/>
+              <a:t>	return true;</a:t>
+            </a:r>
+          </a:p>
+          <a:p>
+            <a:r>
+              <a:rPr lang="en-US" altLang="zh-CN" dirty="0" smtClean="0"/>
+              <a:t>Else return false;</a:t>
+            </a:r>
+          </a:p>
+          <a:p>
+            <a:r>
+              <a:rPr lang="en-US" altLang="zh-CN" dirty="0" smtClean="0"/>
+              <a:t>      </a:t>
+            </a:r>
+            <a:r>
+              <a:rPr lang="zh-CN" altLang="en-US" dirty="0" smtClean="0"/>
+              <a:t>上述代码中</a:t>
+            </a:r>
+            <a:endParaRPr lang="en-US" altLang="zh-CN" dirty="0" smtClean="0"/>
+          </a:p>
+          <a:p>
+            <a:r>
+              <a:rPr lang="en-US" altLang="zh-CN" dirty="0" smtClean="0"/>
+              <a:t>   (1&lt;&lt;20)-1=1111 1111 1111 1111 1111</a:t>
+            </a:r>
+          </a:p>
+          <a:p>
+            <a:r>
+              <a:rPr lang="en-US" altLang="zh-CN" dirty="0" smtClean="0"/>
+              <a:t>  </a:t>
+            </a:r>
+            <a:r>
+              <a:rPr lang="zh-CN" altLang="en-US" dirty="0" smtClean="0"/>
+              <a:t>即一行如果是满的时候的状态。</a:t>
+            </a:r>
+            <a:endParaRPr lang="en-US" altLang="zh-CN" dirty="0" smtClean="0"/>
+          </a:p>
+          <a:p>
+            <a:endParaRPr lang="en-US" altLang="zh-CN" dirty="0"/>
+          </a:p>
+        </p:txBody>
+      </p:sp>
+      <p:sp>
+        <p:nvSpPr>
+          <p:cNvPr id="14" name="TextBox 13"/>
+          <p:cNvSpPr txBox="1"/>
+          <p:nvPr/>
+        </p:nvSpPr>
+        <p:spPr>
+          <a:xfrm>
+            <a:off x="2699792" y="1680891"/>
+            <a:ext cx="4392488" cy="369332"/>
+          </a:xfrm>
+          <a:prstGeom prst="rect">
+            <a:avLst/>
+          </a:prstGeom>
+          <a:noFill/>
+        </p:spPr>
+        <p:txBody>
+          <a:bodyPr wrap="square" rtlCol="0">
+            <a:spAutoFit/>
+          </a:bodyPr>
+          <a:lstStyle/>
+          <a:p>
+            <a:r>
+              <a:rPr lang="zh-CN" altLang="en-US" dirty="0" smtClean="0"/>
+              <a:t>判断第</a:t>
+            </a:r>
+            <a:r>
+              <a:rPr lang="en-US" altLang="zh-CN" dirty="0" err="1" smtClean="0"/>
+              <a:t>i</a:t>
+            </a:r>
+            <a:r>
+              <a:rPr lang="zh-CN" altLang="en-US" dirty="0" smtClean="0"/>
+              <a:t>行是否可以消去</a:t>
+            </a:r>
+            <a:endParaRPr lang="zh-CN" altLang="en-US" dirty="0"/>
+          </a:p>
+        </p:txBody>
+      </p:sp>
+    </p:spTree>
+    <p:extLst>
+      <p:ext uri="{BB962C8B-B14F-4D97-AF65-F5344CB8AC3E}">
+        <p14:creationId xmlns:p14="http://schemas.microsoft.com/office/powerpoint/2010/main" val="3899490953"/>
+      </p:ext>
+    </p:extLst>
+  </p:cSld>
+  <p:clrMapOvr>
+    <a:masterClrMapping/>
+  </p:clrMapOvr>
+  <p:timing>
+    <p:tnLst>
+      <p:par>
+        <p:cTn id="1" dur="indefinite" restart="never" nodeType="tmRoot"/>
+      </p:par>
+    </p:tnLst>
+  </p:timing>
+</p:sld>
+</file>
+
+<file path=ppt/slides/slide13.xml><?xml version="1.0" encoding="utf-8"?>
+<p:sld xmlns:a="http://schemas.openxmlformats.org/drawingml/2006/main" xmlns:r="http://schemas.openxmlformats.org/officeDocument/2006/relationships" xmlns:p="http://schemas.openxmlformats.org/presentationml/2006/main">
+  <p:cSld>
+    <p:spTree>
+      <p:nvGrpSpPr>
+        <p:cNvPr id="1" name=""/>
+        <p:cNvGrpSpPr/>
+        <p:nvPr/>
+      </p:nvGrpSpPr>
+      <p:grpSpPr>
+        <a:xfrm>
+          <a:off x="0" y="0"/>
+          <a:ext cx="0" cy="0"/>
+          <a:chOff x="0" y="0"/>
+          <a:chExt cx="0" cy="0"/>
+        </a:xfrm>
+      </p:grpSpPr>
+      <p:sp>
+        <p:nvSpPr>
+          <p:cNvPr id="2" name="标题 1"/>
+          <p:cNvSpPr>
+            <a:spLocks noGrp="1"/>
+          </p:cNvSpPr>
+          <p:nvPr>
+            <p:ph type="title"/>
+          </p:nvPr>
+        </p:nvSpPr>
+        <p:spPr/>
+        <p:txBody>
+          <a:bodyPr/>
+          <a:lstStyle/>
+          <a:p>
+            <a:r>
+              <a:rPr lang="zh-CN" altLang="en-US" dirty="0" smtClean="0"/>
+              <a:t>位运算与普通方法比较（</a:t>
+            </a:r>
+            <a:r>
+              <a:rPr lang="en-US" altLang="zh-CN" dirty="0" smtClean="0"/>
+              <a:t>2</a:t>
+            </a:r>
+            <a:r>
+              <a:rPr lang="zh-CN" altLang="en-US" dirty="0" smtClean="0"/>
+              <a:t>）</a:t>
+            </a:r>
+            <a:endParaRPr lang="zh-CN" altLang="en-US" dirty="0"/>
+          </a:p>
+        </p:txBody>
+      </p:sp>
+      <p:sp>
+        <p:nvSpPr>
+          <p:cNvPr id="3" name="文本占位符 2"/>
+          <p:cNvSpPr>
+            <a:spLocks noGrp="1"/>
+          </p:cNvSpPr>
+          <p:nvPr>
+            <p:ph type="body" idx="1"/>
+          </p:nvPr>
+        </p:nvSpPr>
+        <p:spPr/>
+        <p:txBody>
+          <a:bodyPr/>
+          <a:lstStyle/>
+          <a:p>
+            <a:r>
+              <a:rPr lang="zh-CN" altLang="en-US" dirty="0" smtClean="0"/>
+              <a:t>普通方法</a:t>
+            </a:r>
+            <a:endParaRPr lang="zh-CN" altLang="en-US" dirty="0"/>
+          </a:p>
+        </p:txBody>
+      </p:sp>
+      <p:sp>
+        <p:nvSpPr>
+          <p:cNvPr id="4" name="内容占位符 3"/>
+          <p:cNvSpPr>
+            <a:spLocks noGrp="1"/>
+          </p:cNvSpPr>
+          <p:nvPr>
+            <p:ph sz="half" idx="2"/>
+          </p:nvPr>
+        </p:nvSpPr>
+        <p:spPr/>
+        <p:txBody>
+          <a:bodyPr>
+            <a:normAutofit lnSpcReduction="10000"/>
+          </a:bodyPr>
+          <a:lstStyle/>
+          <a:p>
+            <a:r>
+              <a:rPr lang="zh-CN" altLang="en-US" dirty="0"/>
+              <a:t>采用</a:t>
+            </a:r>
+            <a:r>
+              <a:rPr lang="en-US" altLang="zh-CN" dirty="0" err="1"/>
+              <a:t>boolean</a:t>
+            </a:r>
+            <a:r>
+              <a:rPr lang="en-US" altLang="zh-CN" dirty="0"/>
+              <a:t> view[25][20]</a:t>
+            </a:r>
+            <a:r>
+              <a:rPr lang="zh-CN" altLang="en-US" dirty="0"/>
+              <a:t>的</a:t>
+            </a:r>
+            <a:r>
+              <a:rPr lang="zh-CN" altLang="en-US" dirty="0" smtClean="0"/>
+              <a:t>数据结构</a:t>
+            </a:r>
+            <a:endParaRPr lang="en-US" altLang="zh-CN" dirty="0" smtClean="0"/>
+          </a:p>
+          <a:p>
+            <a:r>
+              <a:rPr lang="en-US" altLang="zh-CN" dirty="0" smtClean="0"/>
+              <a:t>For (</a:t>
+            </a:r>
+            <a:r>
+              <a:rPr lang="en-US" altLang="zh-CN" dirty="0" err="1" smtClean="0"/>
+              <a:t>int</a:t>
+            </a:r>
+            <a:r>
+              <a:rPr lang="en-US" altLang="zh-CN" dirty="0" smtClean="0"/>
+              <a:t> </a:t>
+            </a:r>
+            <a:r>
+              <a:rPr lang="en-US" altLang="zh-CN" dirty="0"/>
+              <a:t>j</a:t>
+            </a:r>
+            <a:r>
+              <a:rPr lang="en-US" altLang="zh-CN" dirty="0" smtClean="0"/>
+              <a:t>=0; j&lt;20; j++)</a:t>
+            </a:r>
+          </a:p>
+          <a:p>
+            <a:r>
+              <a:rPr lang="en-US" altLang="zh-CN" dirty="0" smtClean="0"/>
+              <a:t>{</a:t>
+            </a:r>
+          </a:p>
+          <a:p>
+            <a:pPr lvl="1"/>
+            <a:r>
+              <a:rPr lang="en-US" altLang="zh-CN" dirty="0" smtClean="0"/>
+              <a:t>If (view[</a:t>
+            </a:r>
+            <a:r>
+              <a:rPr lang="en-US" altLang="zh-CN" dirty="0" err="1" smtClean="0"/>
+              <a:t>i</a:t>
+            </a:r>
+            <a:r>
+              <a:rPr lang="en-US" altLang="zh-CN" dirty="0" smtClean="0"/>
+              <a:t>][j]) </a:t>
+            </a:r>
+          </a:p>
+          <a:p>
+            <a:pPr lvl="2"/>
+            <a:r>
+              <a:rPr lang="zh-CN" altLang="en-US" dirty="0" smtClean="0"/>
+              <a:t>第</a:t>
+            </a:r>
+            <a:r>
+              <a:rPr lang="en-US" altLang="zh-CN" dirty="0" err="1" smtClean="0"/>
+              <a:t>i</a:t>
+            </a:r>
+            <a:r>
+              <a:rPr lang="zh-CN" altLang="en-US" dirty="0" smtClean="0"/>
+              <a:t>行第</a:t>
+            </a:r>
+            <a:r>
+              <a:rPr lang="en-US" altLang="zh-CN" dirty="0" smtClean="0"/>
+              <a:t>j</a:t>
+            </a:r>
+            <a:r>
+              <a:rPr lang="zh-CN" altLang="en-US" dirty="0" smtClean="0"/>
+              <a:t>列有方块</a:t>
+            </a:r>
+            <a:endParaRPr lang="en-US" altLang="zh-CN" dirty="0" smtClean="0"/>
+          </a:p>
+          <a:p>
+            <a:pPr marL="301943" lvl="1" indent="0">
+              <a:buNone/>
+            </a:pPr>
+            <a:r>
+              <a:rPr lang="en-US" altLang="zh-CN" dirty="0" smtClean="0"/>
+              <a:t>}</a:t>
+            </a:r>
+          </a:p>
+          <a:p>
+            <a:pPr marL="301943" lvl="1" indent="0">
+              <a:buNone/>
+            </a:pPr>
+            <a:r>
+              <a:rPr lang="zh-CN" altLang="en-US" dirty="0" smtClean="0"/>
+              <a:t>循环</a:t>
+            </a:r>
+            <a:r>
+              <a:rPr lang="en-US" altLang="zh-CN" dirty="0" smtClean="0"/>
+              <a:t>20</a:t>
+            </a:r>
+            <a:r>
+              <a:rPr lang="zh-CN" altLang="en-US" dirty="0" smtClean="0"/>
+              <a:t>次</a:t>
+            </a:r>
+            <a:endParaRPr lang="zh-CN" altLang="en-US" dirty="0"/>
+          </a:p>
+        </p:txBody>
+      </p:sp>
+      <p:sp>
+        <p:nvSpPr>
+          <p:cNvPr id="5" name="文本占位符 4"/>
+          <p:cNvSpPr>
+            <a:spLocks noGrp="1"/>
+          </p:cNvSpPr>
+          <p:nvPr>
+            <p:ph type="body" sz="quarter" idx="3"/>
+          </p:nvPr>
+        </p:nvSpPr>
+        <p:spPr/>
+        <p:txBody>
+          <a:bodyPr/>
+          <a:lstStyle/>
+          <a:p>
+            <a:r>
+              <a:rPr lang="zh-CN" altLang="en-US" dirty="0" smtClean="0"/>
+              <a:t>位运算</a:t>
+            </a:r>
+            <a:endParaRPr lang="zh-CN" altLang="en-US" dirty="0"/>
+          </a:p>
+        </p:txBody>
+      </p:sp>
+      <p:sp>
+        <p:nvSpPr>
+          <p:cNvPr id="6" name="内容占位符 5"/>
+          <p:cNvSpPr>
+            <a:spLocks noGrp="1"/>
+          </p:cNvSpPr>
+          <p:nvPr>
+            <p:ph sz="quarter" idx="4"/>
+          </p:nvPr>
+        </p:nvSpPr>
+        <p:spPr>
+          <a:xfrm>
+            <a:off x="4644008" y="3429000"/>
+            <a:ext cx="3823209" cy="2697163"/>
+          </a:xfrm>
+        </p:spPr>
+        <p:txBody>
+          <a:bodyPr>
+            <a:normAutofit fontScale="85000" lnSpcReduction="20000"/>
+          </a:bodyPr>
+          <a:lstStyle/>
+          <a:p>
+            <a:r>
+              <a:rPr lang="zh-CN" altLang="en-US" dirty="0" smtClean="0"/>
+              <a:t>采用 </a:t>
+            </a:r>
+            <a:r>
+              <a:rPr lang="en-US" altLang="zh-CN" dirty="0" err="1"/>
+              <a:t>int</a:t>
+            </a:r>
+            <a:r>
+              <a:rPr lang="en-US" altLang="zh-CN" dirty="0"/>
+              <a:t> view[25]</a:t>
+            </a:r>
+            <a:r>
+              <a:rPr lang="zh-CN" altLang="en-US" dirty="0"/>
+              <a:t>的</a:t>
+            </a:r>
+            <a:r>
+              <a:rPr lang="zh-CN" altLang="en-US" dirty="0" smtClean="0"/>
+              <a:t>数据结构</a:t>
+            </a:r>
+            <a:endParaRPr lang="en-US" altLang="zh-CN" dirty="0" smtClean="0"/>
+          </a:p>
+          <a:p>
+            <a:r>
+              <a:rPr lang="en-US" altLang="zh-CN" dirty="0" err="1" smtClean="0"/>
+              <a:t>Int</a:t>
+            </a:r>
+            <a:r>
+              <a:rPr lang="en-US" altLang="zh-CN" dirty="0" smtClean="0"/>
+              <a:t> x=view[</a:t>
+            </a:r>
+            <a:r>
+              <a:rPr lang="en-US" altLang="zh-CN" dirty="0" err="1" smtClean="0"/>
+              <a:t>i</a:t>
+            </a:r>
+            <a:r>
+              <a:rPr lang="en-US" altLang="zh-CN" dirty="0" smtClean="0"/>
+              <a:t>];</a:t>
+            </a:r>
+          </a:p>
+          <a:p>
+            <a:r>
+              <a:rPr lang="en-US" altLang="zh-CN" dirty="0" smtClean="0"/>
+              <a:t>While (x!=0)</a:t>
+            </a:r>
+          </a:p>
+          <a:p>
+            <a:r>
+              <a:rPr lang="en-US" altLang="zh-CN" dirty="0" smtClean="0"/>
+              <a:t>{</a:t>
+            </a:r>
+          </a:p>
+          <a:p>
+            <a:pPr marL="301943" lvl="1" indent="0">
+              <a:buNone/>
+            </a:pPr>
+            <a:r>
+              <a:rPr lang="en-US" altLang="zh-CN" dirty="0" smtClean="0"/>
+              <a:t>   </a:t>
+            </a:r>
+            <a:r>
+              <a:rPr lang="en-US" altLang="zh-CN" dirty="0" err="1" smtClean="0"/>
+              <a:t>int</a:t>
+            </a:r>
+            <a:r>
+              <a:rPr lang="en-US" altLang="zh-CN" dirty="0" smtClean="0"/>
+              <a:t> column=x &amp; (x ^ (x-1))  ;</a:t>
+            </a:r>
+          </a:p>
+          <a:p>
+            <a:pPr marL="301943" lvl="1" indent="0">
+              <a:buNone/>
+            </a:pPr>
+            <a:r>
+              <a:rPr lang="en-US" altLang="zh-CN" dirty="0"/>
+              <a:t> </a:t>
+            </a:r>
+            <a:r>
+              <a:rPr lang="en-US" altLang="zh-CN" dirty="0" smtClean="0"/>
+              <a:t>  </a:t>
+            </a:r>
+            <a:r>
+              <a:rPr lang="zh-CN" altLang="en-US" dirty="0" smtClean="0"/>
+              <a:t>则</a:t>
+            </a:r>
+            <a:r>
+              <a:rPr lang="en-US" altLang="zh-CN" dirty="0" smtClean="0"/>
+              <a:t>log2(column)</a:t>
+            </a:r>
+            <a:r>
+              <a:rPr lang="zh-CN" altLang="en-US" dirty="0" smtClean="0"/>
+              <a:t>列有方块</a:t>
+            </a:r>
+            <a:endParaRPr lang="en-US" altLang="zh-CN" dirty="0" smtClean="0"/>
+          </a:p>
+          <a:p>
+            <a:pPr marL="301943" lvl="1" indent="0">
+              <a:buNone/>
+            </a:pPr>
+            <a:r>
+              <a:rPr lang="en-US" altLang="zh-CN" dirty="0"/>
+              <a:t> </a:t>
+            </a:r>
+            <a:r>
+              <a:rPr lang="en-US" altLang="zh-CN" dirty="0" smtClean="0"/>
+              <a:t>   x=x-column;</a:t>
+            </a:r>
+            <a:br>
+              <a:rPr lang="en-US" altLang="zh-CN" dirty="0" smtClean="0"/>
+            </a:br>
+            <a:r>
+              <a:rPr lang="en-US" altLang="zh-CN" dirty="0" smtClean="0"/>
+              <a:t>}</a:t>
+            </a:r>
+          </a:p>
+          <a:p>
+            <a:pPr marL="301943" lvl="1" indent="0">
+              <a:buNone/>
+            </a:pPr>
+            <a:r>
+              <a:rPr lang="en-US" altLang="zh-CN" dirty="0"/>
+              <a:t>x</a:t>
+            </a:r>
+            <a:r>
+              <a:rPr lang="en-US" altLang="zh-CN" dirty="0" smtClean="0"/>
+              <a:t>&amp;(x ^</a:t>
+            </a:r>
+            <a:r>
+              <a:rPr lang="zh-CN" altLang="en-US" dirty="0" smtClean="0"/>
+              <a:t>（</a:t>
+            </a:r>
+            <a:r>
+              <a:rPr lang="en-US" altLang="zh-CN" dirty="0" smtClean="0"/>
+              <a:t>x-1</a:t>
+            </a:r>
+            <a:r>
+              <a:rPr lang="zh-CN" altLang="en-US" dirty="0" smtClean="0"/>
+              <a:t>）</a:t>
+            </a:r>
+            <a:r>
+              <a:rPr lang="en-US" altLang="zh-CN" dirty="0" smtClean="0"/>
+              <a:t>)</a:t>
+            </a:r>
+            <a:r>
+              <a:rPr lang="zh-CN" altLang="en-US" dirty="0" smtClean="0"/>
+              <a:t>的意思是取出右数第一个</a:t>
+            </a:r>
+            <a:r>
+              <a:rPr lang="en-US" altLang="zh-CN" dirty="0" smtClean="0"/>
+              <a:t>1</a:t>
+            </a:r>
+            <a:r>
+              <a:rPr lang="zh-CN" altLang="en-US" dirty="0" smtClean="0"/>
+              <a:t>，例如</a:t>
+            </a:r>
+            <a:r>
+              <a:rPr lang="en-US" altLang="zh-CN" dirty="0" smtClean="0"/>
+              <a:t>110100</a:t>
+            </a:r>
+            <a:r>
+              <a:rPr lang="zh-CN" altLang="en-US" dirty="0" smtClean="0"/>
+              <a:t>，经过这个运算后得到</a:t>
+            </a:r>
+            <a:r>
+              <a:rPr lang="en-US" altLang="zh-CN" dirty="0" smtClean="0"/>
+              <a:t>100</a:t>
+            </a:r>
+          </a:p>
+          <a:p>
+            <a:pPr marL="301943" lvl="1" indent="0">
+              <a:buNone/>
+            </a:pPr>
+            <a:r>
+              <a:rPr lang="zh-CN" altLang="en-US" dirty="0" smtClean="0"/>
+              <a:t>第</a:t>
+            </a:r>
+            <a:r>
+              <a:rPr lang="en-US" altLang="zh-CN" dirty="0" err="1" smtClean="0"/>
+              <a:t>i</a:t>
+            </a:r>
+            <a:r>
+              <a:rPr lang="zh-CN" altLang="en-US" dirty="0" smtClean="0"/>
+              <a:t>行有多少个方块循环多少次</a:t>
+            </a:r>
+            <a:endParaRPr lang="en-US" altLang="zh-CN" dirty="0"/>
+          </a:p>
+        </p:txBody>
+      </p:sp>
+      <p:sp>
+        <p:nvSpPr>
+          <p:cNvPr id="7" name="TextBox 6"/>
+          <p:cNvSpPr txBox="1"/>
+          <p:nvPr/>
+        </p:nvSpPr>
+        <p:spPr>
+          <a:xfrm>
+            <a:off x="2339752" y="1556792"/>
+            <a:ext cx="4104456" cy="369332"/>
+          </a:xfrm>
+          <a:prstGeom prst="rect">
+            <a:avLst/>
+          </a:prstGeom>
+          <a:noFill/>
+        </p:spPr>
+        <p:txBody>
+          <a:bodyPr wrap="square" rtlCol="0">
+            <a:spAutoFit/>
+          </a:bodyPr>
+          <a:lstStyle/>
+          <a:p>
+            <a:r>
+              <a:rPr lang="zh-CN" altLang="en-US" dirty="0" smtClean="0"/>
+              <a:t>判断第</a:t>
+            </a:r>
+            <a:r>
+              <a:rPr lang="en-US" altLang="zh-CN" dirty="0" err="1" smtClean="0"/>
+              <a:t>i</a:t>
+            </a:r>
+            <a:r>
+              <a:rPr lang="zh-CN" altLang="en-US" dirty="0" smtClean="0"/>
+              <a:t>行哪些位置有方块</a:t>
+            </a:r>
+            <a:endParaRPr lang="zh-CN" altLang="en-US" dirty="0"/>
+          </a:p>
+        </p:txBody>
+      </p:sp>
+    </p:spTree>
+    <p:extLst>
+      <p:ext uri="{BB962C8B-B14F-4D97-AF65-F5344CB8AC3E}">
+        <p14:creationId xmlns:p14="http://schemas.microsoft.com/office/powerpoint/2010/main" val="3671421340"/>
+      </p:ext>
+    </p:extLst>
+  </p:cSld>
+  <p:clrMapOvr>
+    <a:masterClrMapping/>
+  </p:clrMapOvr>
+  <p:timing>
+    <p:tnLst>
+      <p:par>
+        <p:cTn id="1" dur="indefinite" restart="never" nodeType="tmRoot"/>
+      </p:par>
+    </p:tnLst>
+  </p:timing>
+</p:sld>
+</file>
+
+<file path=ppt/slides/slide14.xml><?xml version="1.0" encoding="utf-8"?>
+<p:sld xmlns:a="http://schemas.openxmlformats.org/drawingml/2006/main" xmlns:r="http://schemas.openxmlformats.org/officeDocument/2006/relationships" xmlns:p="http://schemas.openxmlformats.org/presentationml/2006/main">
+  <p:cSld>
+    <p:spTree>
+      <p:nvGrpSpPr>
+        <p:cNvPr id="1" name=""/>
+        <p:cNvGrpSpPr/>
+        <p:nvPr/>
+      </p:nvGrpSpPr>
+      <p:grpSpPr>
+        <a:xfrm>
+          <a:off x="0" y="0"/>
+          <a:ext cx="0" cy="0"/>
+          <a:chOff x="0" y="0"/>
+          <a:chExt cx="0" cy="0"/>
+        </a:xfrm>
+      </p:grpSpPr>
+      <p:sp>
+        <p:nvSpPr>
+          <p:cNvPr id="2" name="标题 1"/>
+          <p:cNvSpPr>
+            <a:spLocks noGrp="1"/>
+          </p:cNvSpPr>
+          <p:nvPr>
+            <p:ph type="title"/>
+          </p:nvPr>
+        </p:nvSpPr>
+        <p:spPr/>
+        <p:txBody>
+          <a:bodyPr/>
+          <a:lstStyle/>
+          <a:p>
+            <a:r>
+              <a:rPr lang="zh-CN" altLang="en-US" dirty="0" smtClean="0"/>
+              <a:t>位运算与普通方法比较</a:t>
+            </a:r>
+            <a:r>
+              <a:rPr lang="en-US" altLang="zh-CN" dirty="0" smtClean="0"/>
+              <a:t>(3)</a:t>
+            </a:r>
+            <a:endParaRPr lang="zh-CN" altLang="en-US" dirty="0"/>
+          </a:p>
+        </p:txBody>
+      </p:sp>
+      <p:sp>
+        <p:nvSpPr>
+          <p:cNvPr id="3" name="文本占位符 2"/>
+          <p:cNvSpPr>
+            <a:spLocks noGrp="1"/>
+          </p:cNvSpPr>
+          <p:nvPr>
+            <p:ph type="body" idx="1"/>
+          </p:nvPr>
+        </p:nvSpPr>
+        <p:spPr/>
+        <p:txBody>
+          <a:bodyPr/>
+          <a:lstStyle/>
+          <a:p>
+            <a:r>
+              <a:rPr lang="zh-CN" altLang="en-US" dirty="0" smtClean="0"/>
+              <a:t>普通方法</a:t>
+            </a:r>
+            <a:endParaRPr lang="zh-CN" altLang="en-US" dirty="0"/>
+          </a:p>
+        </p:txBody>
+      </p:sp>
+      <p:sp>
+        <p:nvSpPr>
+          <p:cNvPr id="4" name="内容占位符 3"/>
+          <p:cNvSpPr>
+            <a:spLocks noGrp="1"/>
+          </p:cNvSpPr>
+          <p:nvPr>
+            <p:ph sz="half" idx="2"/>
+          </p:nvPr>
+        </p:nvSpPr>
+        <p:spPr/>
+        <p:txBody>
+          <a:bodyPr/>
+          <a:lstStyle/>
+          <a:p>
+            <a:r>
+              <a:rPr lang="en-US" altLang="zh-CN" dirty="0" smtClean="0"/>
+              <a:t>Boolean </a:t>
+            </a:r>
+            <a:r>
+              <a:rPr lang="en-US" altLang="zh-CN" dirty="0" err="1" smtClean="0"/>
+              <a:t>newBlock</a:t>
+            </a:r>
+            <a:r>
+              <a:rPr lang="en-US" altLang="zh-CN" dirty="0" smtClean="0"/>
+              <a:t>[4][4];</a:t>
+            </a:r>
+          </a:p>
+          <a:p>
+            <a:r>
+              <a:rPr lang="en-US" altLang="zh-CN" dirty="0" err="1" smtClean="0"/>
+              <a:t>newBlock</a:t>
+            </a:r>
+            <a:r>
+              <a:rPr lang="en-US" altLang="zh-CN" dirty="0" smtClean="0"/>
+              <a:t>[2][</a:t>
+            </a:r>
+            <a:r>
+              <a:rPr lang="en-US" altLang="zh-CN" dirty="0"/>
+              <a:t>2</a:t>
+            </a:r>
+            <a:r>
+              <a:rPr lang="en-US" altLang="zh-CN" dirty="0" smtClean="0"/>
+              <a:t>]=true;</a:t>
+            </a:r>
+          </a:p>
+          <a:p>
+            <a:r>
+              <a:rPr lang="en-US" altLang="zh-CN" dirty="0" err="1" smtClean="0"/>
+              <a:t>newBlock</a:t>
+            </a:r>
+            <a:r>
+              <a:rPr lang="en-US" altLang="zh-CN" dirty="0" smtClean="0"/>
+              <a:t>[2][3]=true;</a:t>
+            </a:r>
+          </a:p>
+          <a:p>
+            <a:r>
+              <a:rPr lang="en-US" altLang="zh-CN" dirty="0" err="1" smtClean="0"/>
+              <a:t>newBlock</a:t>
+            </a:r>
+            <a:r>
+              <a:rPr lang="en-US" altLang="zh-CN" dirty="0" smtClean="0"/>
+              <a:t>[3][</a:t>
+            </a:r>
+            <a:r>
+              <a:rPr lang="en-US" altLang="zh-CN" dirty="0"/>
+              <a:t>2</a:t>
+            </a:r>
+            <a:r>
+              <a:rPr lang="en-US" altLang="zh-CN" dirty="0" smtClean="0"/>
+              <a:t>]=true;</a:t>
+            </a:r>
+          </a:p>
+          <a:p>
+            <a:r>
+              <a:rPr lang="en-US" altLang="zh-CN" dirty="0" err="1" smtClean="0"/>
+              <a:t>newBlock</a:t>
+            </a:r>
+            <a:r>
+              <a:rPr lang="en-US" altLang="zh-CN" dirty="0" smtClean="0"/>
+              <a:t>[3][3]=true;</a:t>
+            </a:r>
+            <a:endParaRPr lang="zh-CN" altLang="en-US" dirty="0"/>
+          </a:p>
+        </p:txBody>
+      </p:sp>
+      <p:sp>
+        <p:nvSpPr>
+          <p:cNvPr id="5" name="文本占位符 4"/>
+          <p:cNvSpPr>
+            <a:spLocks noGrp="1"/>
+          </p:cNvSpPr>
+          <p:nvPr>
+            <p:ph type="body" sz="quarter" idx="3"/>
+          </p:nvPr>
+        </p:nvSpPr>
+        <p:spPr/>
+        <p:txBody>
+          <a:bodyPr/>
+          <a:lstStyle/>
+          <a:p>
+            <a:r>
+              <a:rPr lang="zh-CN" altLang="en-US" dirty="0"/>
+              <a:t>位运算</a:t>
+            </a:r>
+          </a:p>
+        </p:txBody>
+      </p:sp>
+      <p:sp>
+        <p:nvSpPr>
+          <p:cNvPr id="6" name="内容占位符 5"/>
+          <p:cNvSpPr>
+            <a:spLocks noGrp="1"/>
+          </p:cNvSpPr>
+          <p:nvPr>
+            <p:ph sz="quarter" idx="4"/>
+          </p:nvPr>
+        </p:nvSpPr>
+        <p:spPr/>
+        <p:txBody>
+          <a:bodyPr/>
+          <a:lstStyle/>
+          <a:p>
+            <a:r>
+              <a:rPr lang="en-US" altLang="zh-CN" dirty="0" err="1" smtClean="0"/>
+              <a:t>Int</a:t>
+            </a:r>
+            <a:r>
+              <a:rPr lang="en-US" altLang="zh-CN" dirty="0" smtClean="0"/>
+              <a:t> </a:t>
+            </a:r>
+            <a:r>
+              <a:rPr lang="en-US" altLang="zh-CN" dirty="0" err="1" smtClean="0"/>
+              <a:t>newBlock</a:t>
+            </a:r>
+            <a:r>
+              <a:rPr lang="en-US" altLang="zh-CN" dirty="0" smtClean="0"/>
+              <a:t>;</a:t>
+            </a:r>
+          </a:p>
+          <a:p>
+            <a:r>
+              <a:rPr lang="en-US" altLang="zh-CN" dirty="0" err="1" smtClean="0"/>
+              <a:t>newBlock</a:t>
+            </a:r>
+            <a:r>
+              <a:rPr lang="en-US" altLang="zh-CN" dirty="0" smtClean="0"/>
+              <a:t>=102;    </a:t>
+            </a:r>
+          </a:p>
+          <a:p>
+            <a:endParaRPr lang="en-US" altLang="zh-CN" dirty="0"/>
+          </a:p>
+          <a:p>
+            <a:r>
+              <a:rPr lang="en-US" altLang="zh-CN" dirty="0" smtClean="0"/>
+              <a:t>//102=(0110 0110)b</a:t>
+            </a:r>
+            <a:endParaRPr lang="zh-CN" altLang="en-US" dirty="0"/>
+          </a:p>
+        </p:txBody>
+      </p:sp>
+      <p:sp>
+        <p:nvSpPr>
+          <p:cNvPr id="7" name="TextBox 6"/>
+          <p:cNvSpPr txBox="1"/>
+          <p:nvPr/>
+        </p:nvSpPr>
+        <p:spPr>
+          <a:xfrm>
+            <a:off x="1187624" y="1628800"/>
+            <a:ext cx="6912768" cy="646331"/>
+          </a:xfrm>
+          <a:prstGeom prst="rect">
+            <a:avLst/>
+          </a:prstGeom>
+          <a:noFill/>
+        </p:spPr>
+        <p:txBody>
+          <a:bodyPr wrap="square" rtlCol="0">
+            <a:spAutoFit/>
+          </a:bodyPr>
+          <a:lstStyle/>
+          <a:p>
+            <a:r>
+              <a:rPr lang="en-US" altLang="zh-CN" dirty="0"/>
+              <a:t> </a:t>
+            </a:r>
+            <a:r>
+              <a:rPr lang="zh-CN" altLang="en-US" dirty="0" smtClean="0"/>
+              <a:t>创建一个方块（这里创建的意思是设定好一个方块的形状，具体由另外一个接口创建</a:t>
+            </a:r>
+            <a:r>
+              <a:rPr lang="en-US" altLang="zh-CN" dirty="0" smtClean="0"/>
+              <a:t>)</a:t>
+            </a:r>
+            <a:r>
+              <a:rPr lang="zh-CN" altLang="en-US" dirty="0" smtClean="0"/>
+              <a:t>以田字型</a:t>
+            </a:r>
+            <a:r>
+              <a:rPr lang="zh-CN" altLang="en-US" dirty="0"/>
+              <a:t>方块</a:t>
+            </a:r>
+            <a:r>
+              <a:rPr lang="zh-CN" altLang="en-US" dirty="0" smtClean="0"/>
+              <a:t>为例</a:t>
+            </a:r>
+            <a:endParaRPr lang="zh-CN" altLang="en-US" dirty="0"/>
+          </a:p>
+        </p:txBody>
+      </p:sp>
+    </p:spTree>
+    <p:extLst>
+      <p:ext uri="{BB962C8B-B14F-4D97-AF65-F5344CB8AC3E}">
+        <p14:creationId xmlns:p14="http://schemas.microsoft.com/office/powerpoint/2010/main" val="320637979"/>
+      </p:ext>
+    </p:extLst>
+  </p:cSld>
+  <p:clrMapOvr>
+    <a:masterClrMapping/>
+  </p:clrMapOvr>
+  <p:timing>
+    <p:tnLst>
+      <p:par>
+        <p:cTn id="1" dur="indefinite" restart="never" nodeType="tmRoot"/>
+      </p:par>
+    </p:tnLst>
+  </p:timing>
+</p:sld>
+</file>
+
+<file path=ppt/slides/slide15.xml><?xml version="1.0" encoding="utf-8"?>
+<p:sld xmlns:a="http://schemas.openxmlformats.org/drawingml/2006/main" xmlns:r="http://schemas.openxmlformats.org/officeDocument/2006/relationships" xmlns:p="http://schemas.openxmlformats.org/presentationml/2006/main">
+  <p:cSld>
+    <p:spTree>
+      <p:nvGrpSpPr>
+        <p:cNvPr id="1" name=""/>
+        <p:cNvGrpSpPr/>
+        <p:nvPr/>
+      </p:nvGrpSpPr>
+      <p:grpSpPr>
+        <a:xfrm>
+          <a:off x="0" y="0"/>
+          <a:ext cx="0" cy="0"/>
+          <a:chOff x="0" y="0"/>
+          <a:chExt cx="0" cy="0"/>
+        </a:xfrm>
+      </p:grpSpPr>
+      <p:sp>
+        <p:nvSpPr>
+          <p:cNvPr id="2" name="内容占位符 1"/>
+          <p:cNvSpPr>
+            <a:spLocks noGrp="1"/>
+          </p:cNvSpPr>
+          <p:nvPr>
+            <p:ph idx="1"/>
+          </p:nvPr>
+        </p:nvSpPr>
+        <p:spPr/>
+        <p:txBody>
+          <a:bodyPr/>
+          <a:lstStyle/>
+          <a:p>
+            <a:r>
+              <a:rPr lang="zh-CN" altLang="en-US" dirty="0" smtClean="0"/>
+              <a:t>在刚刚开始做完俄罗斯方块的基本功能时，运行游戏，玩</a:t>
+            </a:r>
+            <a:r>
+              <a:rPr lang="en-US" altLang="zh-CN" dirty="0" smtClean="0"/>
+              <a:t>10</a:t>
+            </a:r>
+            <a:r>
+              <a:rPr lang="zh-CN" altLang="en-US" dirty="0" smtClean="0"/>
+              <a:t>分钟会崩溃一次。。。。</a:t>
+            </a:r>
+            <a:endParaRPr lang="en-US" altLang="zh-CN" dirty="0" smtClean="0"/>
+          </a:p>
+          <a:p>
+            <a:r>
+              <a:rPr lang="zh-CN" altLang="en-US" dirty="0" smtClean="0"/>
+              <a:t>原因是在多线程处理的时候，比方说，方块正在下落的时候，用户按下了移动方块或者改变方块按钮的键。。这时候，出现很大的问题，导致坐标混乱，出现崩溃或者其他现象。</a:t>
+            </a:r>
+            <a:endParaRPr lang="zh-CN" altLang="en-US" dirty="0"/>
+          </a:p>
+        </p:txBody>
+      </p:sp>
+      <p:sp>
+        <p:nvSpPr>
+          <p:cNvPr id="3" name="标题 2"/>
+          <p:cNvSpPr>
+            <a:spLocks noGrp="1"/>
+          </p:cNvSpPr>
+          <p:nvPr>
+            <p:ph type="title"/>
+          </p:nvPr>
+        </p:nvSpPr>
+        <p:spPr/>
+        <p:txBody>
+          <a:bodyPr/>
+          <a:lstStyle/>
+          <a:p>
+            <a:r>
+              <a:rPr lang="zh-CN" altLang="en-US" dirty="0" smtClean="0"/>
+              <a:t>项目遇到的困难</a:t>
+            </a:r>
+            <a:endParaRPr lang="zh-CN" altLang="en-US" dirty="0"/>
+          </a:p>
+        </p:txBody>
+      </p:sp>
+    </p:spTree>
+    <p:extLst>
+      <p:ext uri="{BB962C8B-B14F-4D97-AF65-F5344CB8AC3E}">
+        <p14:creationId xmlns:p14="http://schemas.microsoft.com/office/powerpoint/2010/main" val="2058975298"/>
+      </p:ext>
+    </p:extLst>
+  </p:cSld>
+  <p:clrMapOvr>
+    <a:masterClrMapping/>
+  </p:clrMapOvr>
+  <p:timing>
+    <p:tnLst>
+      <p:par>
+        <p:cTn id="1" dur="indefinite" restart="never" nodeType="tmRoot"/>
+      </p:par>
+    </p:tnLst>
+  </p:timing>
+</p:sld>
+</file>
+
+<file path=ppt/slides/slide16.xml><?xml version="1.0" encoding="utf-8"?>
+<p:sld xmlns:a="http://schemas.openxmlformats.org/drawingml/2006/main" xmlns:r="http://schemas.openxmlformats.org/officeDocument/2006/relationships" xmlns:p="http://schemas.openxmlformats.org/presentationml/2006/main">
+  <p:cSld>
+    <p:spTree>
+      <p:nvGrpSpPr>
+        <p:cNvPr id="1" name=""/>
+        <p:cNvGrpSpPr/>
+        <p:nvPr/>
+      </p:nvGrpSpPr>
+      <p:grpSpPr>
+        <a:xfrm>
+          <a:off x="0" y="0"/>
+          <a:ext cx="0" cy="0"/>
+          <a:chOff x="0" y="0"/>
+          <a:chExt cx="0" cy="0"/>
+        </a:xfrm>
+      </p:grpSpPr>
+      <p:sp>
+        <p:nvSpPr>
           <p:cNvPr id="2" name="内容占位符 1"/>
           <p:cNvSpPr>
             <a:spLocks noGrp="1"/>
@@ -15153,7 +16372,7 @@
 </p:sld>
 </file>
 
-<file path=ppt/slides/slide13.xml><?xml version="1.0" encoding="utf-8"?>
+<file path=ppt/slides/slide17.xml><?xml version="1.0" encoding="utf-8"?>
 <p:sld xmlns:a="http://schemas.openxmlformats.org/drawingml/2006/main" xmlns:r="http://schemas.openxmlformats.org/officeDocument/2006/relationships" xmlns:p="http://schemas.openxmlformats.org/presentationml/2006/main">
   <p:cSld>
     <p:spTree>
@@ -15740,205 +16959,6 @@
       </p:grpSpPr>
       <p:sp>
         <p:nvSpPr>
-          <p:cNvPr id="2" name="内容占位符 1"/>
-          <p:cNvSpPr>
-            <a:spLocks noGrp="1"/>
-          </p:cNvSpPr>
-          <p:nvPr>
-            <p:ph idx="1"/>
-          </p:nvPr>
-        </p:nvSpPr>
-        <p:spPr/>
-        <p:txBody>
-          <a:bodyPr>
-            <a:normAutofit lnSpcReduction="10000"/>
-          </a:bodyPr>
-          <a:lstStyle/>
-          <a:p>
-            <a:r>
-              <a:rPr lang="zh-CN" altLang="en-US" dirty="0" smtClean="0"/>
-              <a:t>游戏每一层为</a:t>
-            </a:r>
-            <a:r>
-              <a:rPr lang="en-US" altLang="zh-CN" dirty="0" smtClean="0"/>
-              <a:t>20</a:t>
-            </a:r>
-            <a:r>
-              <a:rPr lang="zh-CN" altLang="en-US" dirty="0" smtClean="0"/>
-              <a:t>个方块，一共</a:t>
-            </a:r>
-            <a:r>
-              <a:rPr lang="en-US" altLang="zh-CN" dirty="0" smtClean="0"/>
-              <a:t>25</a:t>
-            </a:r>
-            <a:r>
-              <a:rPr lang="zh-CN" altLang="en-US" dirty="0" smtClean="0"/>
-              <a:t>层。于是，需要一个</a:t>
-            </a:r>
-            <a:r>
-              <a:rPr lang="en-US" altLang="zh-CN" dirty="0" smtClean="0"/>
-              <a:t>bitmap</a:t>
-            </a:r>
-            <a:r>
-              <a:rPr lang="zh-CN" altLang="en-US" dirty="0" smtClean="0"/>
-              <a:t>的数据结构存储游戏每一层的状态。</a:t>
-            </a:r>
-            <a:endParaRPr lang="en-US" altLang="zh-CN" dirty="0" smtClean="0"/>
-          </a:p>
-          <a:p>
-            <a:r>
-              <a:rPr lang="zh-CN" altLang="en-US" dirty="0" smtClean="0"/>
-              <a:t>容易想到用一个</a:t>
-            </a:r>
-            <a:r>
-              <a:rPr lang="en-US" altLang="zh-CN" dirty="0" err="1" smtClean="0"/>
-              <a:t>boolean</a:t>
-            </a:r>
-            <a:r>
-              <a:rPr lang="en-US" altLang="zh-CN" dirty="0" smtClean="0"/>
-              <a:t> view[25][20]</a:t>
-            </a:r>
-            <a:r>
-              <a:rPr lang="zh-CN" altLang="en-US" dirty="0" smtClean="0"/>
-              <a:t>的数据结构表示目前已经堆好的方块的状态。</a:t>
-            </a:r>
-            <a:endParaRPr lang="en-US" altLang="zh-CN" dirty="0" smtClean="0"/>
-          </a:p>
-          <a:p>
-            <a:r>
-              <a:rPr lang="zh-CN" altLang="en-US" dirty="0">
-                <a:solidFill>
-                  <a:srgbClr val="FF0000"/>
-                </a:solidFill>
-              </a:rPr>
-              <a:t>位</a:t>
-            </a:r>
-            <a:r>
-              <a:rPr lang="zh-CN" altLang="en-US" dirty="0" smtClean="0">
-                <a:solidFill>
-                  <a:srgbClr val="FF0000"/>
-                </a:solidFill>
-              </a:rPr>
-              <a:t>运算的优化</a:t>
-            </a:r>
-            <a:r>
-              <a:rPr lang="zh-CN" altLang="en-US" dirty="0" smtClean="0"/>
-              <a:t>：一个</a:t>
-            </a:r>
-            <a:r>
-              <a:rPr lang="en-US" altLang="zh-CN" dirty="0" err="1" smtClean="0"/>
-              <a:t>int</a:t>
-            </a:r>
-            <a:r>
-              <a:rPr lang="en-US" altLang="zh-CN" dirty="0" smtClean="0"/>
-              <a:t> </a:t>
-            </a:r>
-            <a:r>
-              <a:rPr lang="zh-CN" altLang="en-US" dirty="0" smtClean="0"/>
-              <a:t>类型占</a:t>
-            </a:r>
-            <a:r>
-              <a:rPr lang="en-US" altLang="zh-CN" dirty="0" smtClean="0"/>
-              <a:t>4</a:t>
-            </a:r>
-            <a:r>
-              <a:rPr lang="zh-CN" altLang="en-US" dirty="0" smtClean="0"/>
-              <a:t>个字节，有</a:t>
-            </a:r>
-            <a:r>
-              <a:rPr lang="en-US" altLang="zh-CN" dirty="0" smtClean="0"/>
-              <a:t>32</a:t>
-            </a:r>
-            <a:r>
-              <a:rPr lang="zh-CN" altLang="en-US" dirty="0" smtClean="0"/>
-              <a:t>位</a:t>
-            </a:r>
-            <a:r>
-              <a:rPr lang="en-US" altLang="zh-CN" dirty="0" smtClean="0"/>
-              <a:t>0/1</a:t>
-            </a:r>
-            <a:r>
-              <a:rPr lang="zh-CN" altLang="en-US" dirty="0" smtClean="0"/>
-              <a:t>数字。取最后</a:t>
-            </a:r>
-            <a:r>
-              <a:rPr lang="en-US" altLang="zh-CN" dirty="0" smtClean="0"/>
-              <a:t>20</a:t>
-            </a:r>
-            <a:r>
-              <a:rPr lang="zh-CN" altLang="en-US" dirty="0" smtClean="0"/>
-              <a:t>位用来表示每一层的状态，例如，当一个</a:t>
-            </a:r>
-            <a:r>
-              <a:rPr lang="en-US" altLang="zh-CN" dirty="0" err="1" smtClean="0"/>
-              <a:t>int</a:t>
-            </a:r>
-            <a:r>
-              <a:rPr lang="en-US" altLang="zh-CN" dirty="0" smtClean="0"/>
-              <a:t> x=</a:t>
-            </a:r>
-            <a:r>
-              <a:rPr lang="en-US" altLang="zh-CN" dirty="0"/>
-              <a:t>(</a:t>
-            </a:r>
-            <a:r>
-              <a:rPr lang="en-US" altLang="zh-CN" dirty="0" smtClean="0"/>
-              <a:t>0100 0101 1001 1101 0001)B</a:t>
-            </a:r>
-            <a:r>
-              <a:rPr lang="zh-CN" altLang="en-US" dirty="0" smtClean="0"/>
-              <a:t>时，</a:t>
-            </a:r>
-            <a:r>
-              <a:rPr lang="en-US" altLang="zh-CN" dirty="0" smtClean="0"/>
-              <a:t>1</a:t>
-            </a:r>
-            <a:r>
-              <a:rPr lang="zh-CN" altLang="en-US" dirty="0" smtClean="0"/>
-              <a:t>的位置表示这个地方有方块，</a:t>
-            </a:r>
-            <a:r>
-              <a:rPr lang="en-US" altLang="zh-CN" dirty="0" smtClean="0"/>
-              <a:t>0</a:t>
-            </a:r>
-            <a:r>
-              <a:rPr lang="zh-CN" altLang="en-US" dirty="0" smtClean="0"/>
-              <a:t>的地方表示这个地方没有方块</a:t>
-            </a:r>
-            <a:r>
-              <a:rPr lang="zh-CN" altLang="en-US" dirty="0" smtClean="0"/>
-              <a:t>。</a:t>
-            </a:r>
-            <a:r>
-              <a:rPr lang="zh-CN" altLang="en-US" dirty="0"/>
-              <a:t>因此</a:t>
-            </a:r>
-            <a:r>
-              <a:rPr lang="zh-CN" altLang="en-US" dirty="0" smtClean="0"/>
-              <a:t>，</a:t>
-            </a:r>
-            <a:r>
-              <a:rPr lang="en-US" altLang="zh-CN" dirty="0" smtClean="0"/>
-              <a:t>bitmap</a:t>
-            </a:r>
-            <a:r>
-              <a:rPr lang="zh-CN" altLang="en-US" dirty="0" smtClean="0"/>
-              <a:t>数据结构可以被优化到</a:t>
-            </a:r>
-            <a:r>
-              <a:rPr lang="en-US" altLang="zh-CN" dirty="0" err="1" smtClean="0"/>
-              <a:t>int</a:t>
-            </a:r>
-            <a:r>
-              <a:rPr lang="en-US" altLang="zh-CN" dirty="0" smtClean="0"/>
-              <a:t> view[25]</a:t>
-            </a:r>
-            <a:endParaRPr lang="zh-CN" altLang="en-US" dirty="0"/>
-          </a:p>
-        </p:txBody>
-      </p:sp>
-      <p:sp>
-        <p:nvSpPr>
           <p:cNvPr id="3" name="标题 2"/>
           <p:cNvSpPr>
             <a:spLocks noGrp="1"/>
@@ -15947,36 +16967,151 @@
             <p:ph type="title"/>
           </p:nvPr>
         </p:nvSpPr>
-        <p:spPr/>
+        <p:spPr>
+          <a:xfrm>
+            <a:off x="4932040" y="1052736"/>
+            <a:ext cx="3812645" cy="648072"/>
+          </a:xfrm>
+        </p:spPr>
         <p:txBody>
           <a:bodyPr/>
           <a:lstStyle/>
           <a:p>
             <a:r>
               <a:rPr lang="zh-CN" altLang="en-US" dirty="0" smtClean="0"/>
-              <a:t>位运算</a:t>
+              <a:t>方块设计思想</a:t>
             </a:r>
             <a:endParaRPr lang="zh-CN" altLang="en-US" dirty="0"/>
           </a:p>
         </p:txBody>
       </p:sp>
+      <p:sp>
+        <p:nvSpPr>
+          <p:cNvPr id="8" name="文本占位符 7"/>
+          <p:cNvSpPr>
+            <a:spLocks noGrp="1"/>
+          </p:cNvSpPr>
+          <p:nvPr>
+            <p:ph type="body" sz="half" idx="2"/>
+          </p:nvPr>
+        </p:nvSpPr>
+        <p:spPr>
+          <a:xfrm>
+            <a:off x="4868333" y="1988841"/>
+            <a:ext cx="3818467" cy="3218160"/>
+          </a:xfrm>
+        </p:spPr>
+        <p:txBody>
+          <a:bodyPr>
+            <a:normAutofit/>
+          </a:bodyPr>
+          <a:lstStyle/>
+          <a:p>
+            <a:r>
+              <a:rPr lang="zh-CN" altLang="en-US" dirty="0" smtClean="0"/>
+              <a:t>每个方块由</a:t>
+            </a:r>
+            <a:r>
+              <a:rPr lang="en-US" altLang="zh-CN" dirty="0" smtClean="0"/>
+              <a:t>4</a:t>
+            </a:r>
+            <a:r>
+              <a:rPr lang="zh-CN" altLang="en-US" dirty="0" smtClean="0"/>
+              <a:t>*</a:t>
+            </a:r>
+            <a:r>
+              <a:rPr lang="en-US" altLang="zh-CN" dirty="0" smtClean="0"/>
+              <a:t>4</a:t>
+            </a:r>
+            <a:r>
+              <a:rPr lang="zh-CN" altLang="en-US" dirty="0" smtClean="0"/>
+              <a:t>的小方块构成，对有方块的地方颜色染红。用</a:t>
+            </a:r>
+            <a:r>
+              <a:rPr lang="en-US" altLang="zh-CN" dirty="0" smtClean="0"/>
+              <a:t>0</a:t>
+            </a:r>
+            <a:r>
+              <a:rPr lang="zh-CN" altLang="en-US" dirty="0" smtClean="0"/>
+              <a:t>和</a:t>
+            </a:r>
+            <a:r>
+              <a:rPr lang="en-US" altLang="zh-CN" dirty="0" smtClean="0"/>
+              <a:t>1</a:t>
+            </a:r>
+            <a:r>
+              <a:rPr lang="zh-CN" altLang="en-US" dirty="0" smtClean="0"/>
+              <a:t>来表示该方块信息，</a:t>
+            </a:r>
+            <a:r>
+              <a:rPr lang="en-US" altLang="zh-CN" dirty="0" smtClean="0"/>
+              <a:t>0</a:t>
+            </a:r>
+            <a:r>
+              <a:rPr lang="zh-CN" altLang="en-US" dirty="0" smtClean="0"/>
+              <a:t>表示改地方空白，</a:t>
+            </a:r>
+            <a:r>
+              <a:rPr lang="en-US" altLang="zh-CN" dirty="0" smtClean="0"/>
+              <a:t>1</a:t>
+            </a:r>
+            <a:r>
+              <a:rPr lang="zh-CN" altLang="en-US" dirty="0" smtClean="0"/>
+              <a:t>表示该地方有方块</a:t>
+            </a:r>
+            <a:endParaRPr lang="en-US" altLang="zh-CN" dirty="0" smtClean="0"/>
+          </a:p>
+          <a:p>
+            <a:r>
+              <a:rPr lang="zh-CN" altLang="en-US" dirty="0" smtClean="0"/>
+              <a:t>转化为二进制的数字表示该方块存储信息</a:t>
+            </a:r>
+            <a:endParaRPr lang="en-US" altLang="zh-CN" dirty="0"/>
+          </a:p>
+          <a:p>
+            <a:r>
+              <a:rPr lang="en-US" altLang="zh-CN" dirty="0" smtClean="0"/>
+              <a:t>0000 0111 0100 0000=1856</a:t>
+            </a:r>
+            <a:endParaRPr lang="zh-CN" altLang="en-US" dirty="0"/>
+          </a:p>
+        </p:txBody>
+      </p:sp>
+      <p:pic>
+        <p:nvPicPr>
+          <p:cNvPr id="9" name="图片占位符 8"/>
+          <p:cNvPicPr>
+            <a:picLocks noGrp="1" noChangeAspect="1"/>
+          </p:cNvPicPr>
+          <p:nvPr>
+            <p:ph type="pic" idx="1"/>
+          </p:nvPr>
+        </p:nvPicPr>
+        <p:blipFill>
+          <a:blip r:embed="rId2">
+            <a:extLst>
+              <a:ext uri="{28A0092B-C50C-407E-A947-70E740481C1C}">
+                <a14:useLocalDpi xmlns:a14="http://schemas.microsoft.com/office/drawing/2010/main" val="0"/>
+              </a:ext>
+            </a:extLst>
+          </a:blip>
+          <a:srcRect t="6717" b="6717"/>
+          <a:stretch>
+            <a:fillRect/>
+          </a:stretch>
+        </p:blipFill>
+        <p:spPr/>
+      </p:pic>
     </p:spTree>
     <p:extLst>
       <p:ext uri="{BB962C8B-B14F-4D97-AF65-F5344CB8AC3E}">
-        <p14:creationId xmlns:p14="http://schemas.microsoft.com/office/powerpoint/2010/main" val="3878816464"/>
+        <p14:creationId xmlns:p14="http://schemas.microsoft.com/office/powerpoint/2010/main" val="318600234"/>
       </p:ext>
     </p:extLst>
   </p:cSld>
   <p:clrMapOvr>
     <a:masterClrMapping/>
   </p:clrMapOvr>
-  <p:timing>
-    <p:tnLst>
-      <p:par>
-        <p:cTn id="1" dur="indefinite" restart="never" nodeType="tmRoot"/>
-      </p:par>
-    </p:tnLst>
-  </p:timing>
 </p:sld>
 </file>
 
@@ -15999,7 +17134,45 @@
       </p:grpSpPr>
       <p:sp>
         <p:nvSpPr>
-          <p:cNvPr id="4" name="标题 3"/>
+          <p:cNvPr id="6" name="内容占位符 5"/>
+          <p:cNvSpPr>
+            <a:spLocks noGrp="1"/>
+          </p:cNvSpPr>
+          <p:nvPr>
+            <p:ph idx="1"/>
+          </p:nvPr>
+        </p:nvSpPr>
+        <p:spPr/>
+        <p:txBody>
+          <a:bodyPr/>
+          <a:lstStyle/>
+          <a:p>
+            <a:r>
+              <a:rPr lang="zh-CN" altLang="en-US" dirty="0" smtClean="0"/>
+              <a:t>使用定时器，以用户目前的得分作为衡量标准，使用</a:t>
+            </a:r>
+            <a:r>
+              <a:rPr lang="en-US" altLang="zh-CN" dirty="0" smtClean="0"/>
+              <a:t>Timer</a:t>
+            </a:r>
+            <a:r>
+              <a:rPr lang="zh-CN" altLang="en-US" dirty="0" smtClean="0"/>
+              <a:t>定时让方块下落</a:t>
+            </a:r>
+            <a:endParaRPr lang="en-US" altLang="zh-CN" dirty="0" smtClean="0"/>
+          </a:p>
+          <a:p>
+            <a:r>
+              <a:rPr lang="zh-CN" altLang="en-US" dirty="0" smtClean="0"/>
+              <a:t>同时，增设键盘监听器，保证用户在按下下落键的时候也能够响应</a:t>
+            </a:r>
+            <a:endParaRPr lang="zh-CN" altLang="en-US" dirty="0"/>
+          </a:p>
+        </p:txBody>
+      </p:sp>
+      <p:sp>
+        <p:nvSpPr>
+          <p:cNvPr id="5" name="标题 4"/>
           <p:cNvSpPr>
             <a:spLocks noGrp="1"/>
           </p:cNvSpPr>
@@ -16013,288 +17186,8 @@
           <a:lstStyle/>
           <a:p>
             <a:r>
-              <a:rPr lang="zh-CN" altLang="en-US" smtClean="0"/>
-              <a:t>位运算与普通方法比较（</a:t>
-            </a:r>
-            <a:r>
-              <a:rPr lang="en-US" altLang="zh-CN" smtClean="0"/>
-              <a:t>1</a:t>
-            </a:r>
-            <a:r>
-              <a:rPr lang="zh-CN" altLang="en-US" smtClean="0"/>
-              <a:t>）</a:t>
-            </a:r>
-            <a:endParaRPr lang="zh-CN" altLang="en-US" dirty="0"/>
-          </a:p>
-        </p:txBody>
-      </p:sp>
-      <p:sp>
-        <p:nvSpPr>
-          <p:cNvPr id="5" name="文本占位符 4"/>
-          <p:cNvSpPr>
-            <a:spLocks noGrp="1"/>
-          </p:cNvSpPr>
-          <p:nvPr>
-            <p:ph type="body" idx="1"/>
-          </p:nvPr>
-        </p:nvSpPr>
-        <p:spPr/>
-        <p:txBody>
-          <a:bodyPr/>
-          <a:lstStyle/>
-          <a:p>
-            <a:r>
-              <a:rPr lang="zh-CN" altLang="en-US" smtClean="0"/>
-              <a:t>普通方法</a:t>
-            </a:r>
-            <a:endParaRPr lang="zh-CN" altLang="en-US" dirty="0"/>
-          </a:p>
-        </p:txBody>
-      </p:sp>
-      <p:sp>
-        <p:nvSpPr>
-          <p:cNvPr id="6" name="内容占位符 5"/>
-          <p:cNvSpPr>
-            <a:spLocks noGrp="1"/>
-          </p:cNvSpPr>
-          <p:nvPr>
-            <p:ph sz="half" idx="2"/>
-          </p:nvPr>
-        </p:nvSpPr>
-        <p:spPr/>
-        <p:txBody>
-          <a:bodyPr>
-            <a:normAutofit/>
-          </a:bodyPr>
-          <a:lstStyle/>
-          <a:p>
-            <a:r>
               <a:rPr lang="zh-CN" altLang="en-US" dirty="0" smtClean="0"/>
-              <a:t>采用</a:t>
-            </a:r>
-            <a:r>
-              <a:rPr lang="en-US" altLang="zh-CN" dirty="0" err="1" smtClean="0"/>
-              <a:t>boolean</a:t>
-            </a:r>
-            <a:r>
-              <a:rPr lang="en-US" altLang="zh-CN" dirty="0" smtClean="0"/>
-              <a:t> view[25][20]</a:t>
-            </a:r>
-            <a:r>
-              <a:rPr lang="zh-CN" altLang="en-US" dirty="0" smtClean="0"/>
-              <a:t>的数据结构</a:t>
-            </a:r>
-            <a:endParaRPr lang="en-US" altLang="zh-CN" dirty="0" smtClean="0"/>
-          </a:p>
-          <a:p>
-            <a:r>
-              <a:rPr lang="en-US" altLang="zh-CN" dirty="0" smtClean="0"/>
-              <a:t>For (</a:t>
-            </a:r>
-            <a:r>
-              <a:rPr lang="en-US" altLang="zh-CN" dirty="0" err="1" smtClean="0"/>
-              <a:t>int</a:t>
-            </a:r>
-            <a:r>
-              <a:rPr lang="en-US" altLang="zh-CN" dirty="0" smtClean="0"/>
-              <a:t> j=0; j&lt;20; j++)</a:t>
-            </a:r>
-          </a:p>
-          <a:p>
-            <a:r>
-              <a:rPr lang="en-US" altLang="zh-CN" dirty="0" smtClean="0"/>
-              <a:t>{</a:t>
-            </a:r>
-          </a:p>
-          <a:p>
-            <a:r>
-              <a:rPr lang="en-US" altLang="zh-CN" dirty="0" smtClean="0"/>
-              <a:t>	If (!view[</a:t>
-            </a:r>
-            <a:r>
-              <a:rPr lang="en-US" altLang="zh-CN" dirty="0" err="1" smtClean="0"/>
-              <a:t>i</a:t>
-            </a:r>
-            <a:r>
-              <a:rPr lang="en-US" altLang="zh-CN" dirty="0" smtClean="0"/>
-              <a:t>][j]) return false</a:t>
-            </a:r>
-            <a:r>
-              <a:rPr lang="zh-CN" altLang="en-US" dirty="0" smtClean="0"/>
-              <a:t>；</a:t>
-            </a:r>
-            <a:endParaRPr lang="en-US" altLang="zh-CN" dirty="0" smtClean="0"/>
-          </a:p>
-          <a:p>
-            <a:r>
-              <a:rPr lang="en-US" altLang="zh-CN" dirty="0" smtClean="0"/>
-              <a:t>}</a:t>
-            </a:r>
-          </a:p>
-          <a:p>
-            <a:r>
-              <a:rPr lang="en-US" altLang="zh-CN" dirty="0" smtClean="0"/>
-              <a:t>Return true</a:t>
-            </a:r>
-            <a:r>
-              <a:rPr lang="zh-CN" altLang="en-US" dirty="0" smtClean="0"/>
-              <a:t>；</a:t>
-            </a:r>
-            <a:endParaRPr lang="zh-CN" altLang="en-US" dirty="0"/>
-          </a:p>
-        </p:txBody>
-      </p:sp>
-      <p:sp>
-        <p:nvSpPr>
-          <p:cNvPr id="7" name="文本占位符 6"/>
-          <p:cNvSpPr>
-            <a:spLocks noGrp="1"/>
-          </p:cNvSpPr>
-          <p:nvPr>
-            <p:ph type="body" sz="quarter" idx="3"/>
-          </p:nvPr>
-        </p:nvSpPr>
-        <p:spPr/>
-        <p:txBody>
-          <a:bodyPr/>
-          <a:lstStyle/>
-          <a:p>
-            <a:r>
-              <a:rPr lang="zh-CN" altLang="en-US" dirty="0" smtClean="0"/>
-              <a:t>位运算</a:t>
-            </a:r>
-            <a:endParaRPr lang="zh-CN" altLang="en-US" dirty="0"/>
-          </a:p>
-        </p:txBody>
-      </p:sp>
-      <p:sp>
-        <p:nvSpPr>
-          <p:cNvPr id="8" name="内容占位符 7"/>
-          <p:cNvSpPr>
-            <a:spLocks noGrp="1"/>
-          </p:cNvSpPr>
-          <p:nvPr>
-            <p:ph sz="quarter" idx="4"/>
-          </p:nvPr>
-        </p:nvSpPr>
-        <p:spPr/>
-        <p:txBody>
-          <a:bodyPr>
-            <a:normAutofit lnSpcReduction="10000"/>
-          </a:bodyPr>
-          <a:lstStyle/>
-          <a:p>
-            <a:r>
-              <a:rPr lang="zh-CN" altLang="en-US" dirty="0" smtClean="0"/>
-              <a:t>采用 </a:t>
-            </a:r>
-            <a:r>
-              <a:rPr lang="en-US" altLang="zh-CN" dirty="0" err="1" smtClean="0"/>
-              <a:t>int</a:t>
-            </a:r>
-            <a:r>
-              <a:rPr lang="en-US" altLang="zh-CN" dirty="0" smtClean="0"/>
-              <a:t> view[25]</a:t>
-            </a:r>
-            <a:r>
-              <a:rPr lang="zh-CN" altLang="en-US" dirty="0" smtClean="0"/>
-              <a:t>的数据结构</a:t>
-            </a:r>
-            <a:endParaRPr lang="en-US" altLang="zh-CN" dirty="0" smtClean="0"/>
-          </a:p>
-          <a:p>
-            <a:r>
-              <a:rPr lang="en-US" altLang="zh-CN" dirty="0" smtClean="0"/>
-              <a:t>If (view[</a:t>
-            </a:r>
-            <a:r>
-              <a:rPr lang="en-US" altLang="zh-CN" dirty="0" err="1" smtClean="0"/>
-              <a:t>i</a:t>
-            </a:r>
-            <a:r>
-              <a:rPr lang="en-US" altLang="zh-CN" dirty="0" smtClean="0"/>
-              <a:t>]==(1&lt;&lt;20)-1) </a:t>
-            </a:r>
-          </a:p>
-          <a:p>
-            <a:pPr lvl="2"/>
-            <a:r>
-              <a:rPr lang="en-US" altLang="zh-CN" dirty="0" smtClean="0"/>
-              <a:t>	return true;</a:t>
-            </a:r>
-          </a:p>
-          <a:p>
-            <a:r>
-              <a:rPr lang="en-US" altLang="zh-CN" dirty="0" smtClean="0"/>
-              <a:t>Else return false;</a:t>
-            </a:r>
-          </a:p>
-          <a:p>
-            <a:r>
-              <a:rPr lang="en-US" altLang="zh-CN" dirty="0" smtClean="0"/>
-              <a:t>      </a:t>
-            </a:r>
-            <a:r>
-              <a:rPr lang="zh-CN" altLang="en-US" dirty="0" smtClean="0"/>
-              <a:t>上述代码中</a:t>
-            </a:r>
-            <a:endParaRPr lang="en-US" altLang="zh-CN" dirty="0" smtClean="0"/>
-          </a:p>
-          <a:p>
-            <a:r>
-              <a:rPr lang="en-US" altLang="zh-CN" dirty="0" smtClean="0"/>
-              <a:t>   (1&lt;&lt;20)-1=1111 1111 1111 1111 1111</a:t>
-            </a:r>
-          </a:p>
-          <a:p>
-            <a:r>
-              <a:rPr lang="en-US" altLang="zh-CN" dirty="0" smtClean="0"/>
-              <a:t>  </a:t>
-            </a:r>
-            <a:r>
-              <a:rPr lang="zh-CN" altLang="en-US" dirty="0" smtClean="0"/>
-              <a:t>即一行如果是满的时候的状态。</a:t>
-            </a:r>
-            <a:endParaRPr lang="en-US" altLang="zh-CN" dirty="0" smtClean="0"/>
-          </a:p>
-          <a:p>
-            <a:endParaRPr lang="en-US" altLang="zh-CN" dirty="0"/>
-          </a:p>
-        </p:txBody>
-      </p:sp>
-      <p:sp>
-        <p:nvSpPr>
-          <p:cNvPr id="14" name="TextBox 13"/>
-          <p:cNvSpPr txBox="1"/>
-          <p:nvPr/>
-        </p:nvSpPr>
-        <p:spPr>
-          <a:xfrm>
-            <a:off x="2699792" y="1680891"/>
-            <a:ext cx="4392488" cy="369332"/>
-          </a:xfrm>
-          <a:prstGeom prst="rect">
-            <a:avLst/>
-          </a:prstGeom>
-          <a:noFill/>
-        </p:spPr>
-        <p:txBody>
-          <a:bodyPr wrap="square" rtlCol="0">
-            <a:spAutoFit/>
-          </a:bodyPr>
-          <a:lstStyle/>
-          <a:p>
-            <a:r>
-              <a:rPr lang="zh-CN" altLang="en-US" dirty="0" smtClean="0"/>
-              <a:t>判断第</a:t>
-            </a:r>
-            <a:r>
-              <a:rPr lang="en-US" altLang="zh-CN" dirty="0" err="1" smtClean="0"/>
-              <a:t>i</a:t>
-            </a:r>
-            <a:r>
-              <a:rPr lang="zh-CN" altLang="en-US" dirty="0" smtClean="0"/>
-              <a:t>行是否可以消去</a:t>
+              <a:t>方块下落</a:t>
             </a:r>
             <a:endParaRPr lang="zh-CN" altLang="en-US" dirty="0"/>
           </a:p>
@@ -16303,20 +17196,13 @@
     </p:spTree>
     <p:extLst>
       <p:ext uri="{BB962C8B-B14F-4D97-AF65-F5344CB8AC3E}">
-        <p14:creationId xmlns:p14="http://schemas.microsoft.com/office/powerpoint/2010/main" val="3899490953"/>
+        <p14:creationId xmlns:p14="http://schemas.microsoft.com/office/powerpoint/2010/main" val="2152243951"/>
       </p:ext>
     </p:extLst>
   </p:cSld>
   <p:clrMapOvr>
     <a:masterClrMapping/>
   </p:clrMapOvr>
-  <p:timing>
-    <p:tnLst>
-      <p:par>
-        <p:cTn id="1" dur="indefinite" restart="never" nodeType="tmRoot"/>
-      </p:par>
-    </p:tnLst>
-  </p:timing>
 </p:sld>
 </file>
 
@@ -16339,7 +17225,44 @@
       </p:grpSpPr>
       <p:sp>
         <p:nvSpPr>
-          <p:cNvPr id="2" name="标题 1"/>
+          <p:cNvPr id="2" name="内容占位符 1"/>
+          <p:cNvSpPr>
+            <a:spLocks noGrp="1"/>
+          </p:cNvSpPr>
+          <p:nvPr>
+            <p:ph idx="1"/>
+          </p:nvPr>
+        </p:nvSpPr>
+        <p:spPr/>
+        <p:txBody>
+          <a:bodyPr/>
+          <a:lstStyle/>
+          <a:p>
+            <a:r>
+              <a:rPr lang="zh-CN" altLang="en-US" dirty="0" smtClean="0"/>
+              <a:t>方块的每一次移动需要检测边界，检测边界包括左右移动，变化的检测。</a:t>
+            </a:r>
+            <a:endParaRPr lang="en-US" altLang="zh-CN" dirty="0" smtClean="0"/>
+          </a:p>
+          <a:p>
+            <a:r>
+              <a:rPr lang="zh-CN" altLang="en-US" dirty="0" smtClean="0"/>
+              <a:t>变化的检测如</a:t>
+            </a:r>
+            <a:r>
+              <a:rPr lang="zh-CN" altLang="en-US" smtClean="0"/>
+              <a:t>紫色部分需要额外检测</a:t>
+            </a:r>
+            <a:endParaRPr lang="en-US" altLang="zh-CN" dirty="0" smtClean="0"/>
+          </a:p>
+          <a:p>
+            <a:endParaRPr lang="zh-CN" altLang="en-US" dirty="0"/>
+          </a:p>
+        </p:txBody>
+      </p:sp>
+      <p:sp>
+        <p:nvSpPr>
+          <p:cNvPr id="3" name="标题 2"/>
           <p:cNvSpPr>
             <a:spLocks noGrp="1"/>
           </p:cNvSpPr>
@@ -16354,466 +17277,63 @@
           <a:p>
             <a:r>
               <a:rPr lang="zh-CN" altLang="en-US" dirty="0" smtClean="0"/>
-              <a:t>位运算与普通方法比较（</a:t>
-            </a:r>
-            <a:r>
-              <a:rPr lang="en-US" altLang="zh-CN" dirty="0" smtClean="0"/>
-              <a:t>2</a:t>
-            </a:r>
-            <a:r>
-              <a:rPr lang="zh-CN" altLang="en-US" dirty="0" smtClean="0"/>
-              <a:t>）</a:t>
+              <a:t>检测边界</a:t>
             </a:r>
             <a:endParaRPr lang="zh-CN" altLang="en-US" dirty="0"/>
           </a:p>
         </p:txBody>
       </p:sp>
-      <p:sp>
-        <p:nvSpPr>
-          <p:cNvPr id="3" name="文本占位符 2"/>
-          <p:cNvSpPr>
-            <a:spLocks noGrp="1"/>
-          </p:cNvSpPr>
-          <p:nvPr>
-            <p:ph type="body" idx="1"/>
-          </p:nvPr>
-        </p:nvSpPr>
-        <p:spPr/>
-        <p:txBody>
-          <a:bodyPr/>
-          <a:lstStyle/>
-          <a:p>
-            <a:r>
-              <a:rPr lang="zh-CN" altLang="en-US" dirty="0" smtClean="0"/>
-              <a:t>普通方法</a:t>
-            </a:r>
-            <a:endParaRPr lang="zh-CN" altLang="en-US" dirty="0"/>
-          </a:p>
-        </p:txBody>
-      </p:sp>
-      <p:sp>
-        <p:nvSpPr>
-          <p:cNvPr id="4" name="内容占位符 3"/>
-          <p:cNvSpPr>
-            <a:spLocks noGrp="1"/>
-          </p:cNvSpPr>
-          <p:nvPr>
-            <p:ph sz="half" idx="2"/>
-          </p:nvPr>
-        </p:nvSpPr>
-        <p:spPr/>
-        <p:txBody>
-          <a:bodyPr>
-            <a:normAutofit lnSpcReduction="10000"/>
-          </a:bodyPr>
-          <a:lstStyle/>
-          <a:p>
-            <a:r>
-              <a:rPr lang="zh-CN" altLang="en-US" dirty="0"/>
-              <a:t>采用</a:t>
-            </a:r>
-            <a:r>
-              <a:rPr lang="en-US" altLang="zh-CN" dirty="0" err="1"/>
-              <a:t>boolean</a:t>
-            </a:r>
-            <a:r>
-              <a:rPr lang="en-US" altLang="zh-CN" dirty="0"/>
-              <a:t> view[25][20]</a:t>
-            </a:r>
-            <a:r>
-              <a:rPr lang="zh-CN" altLang="en-US" dirty="0"/>
-              <a:t>的</a:t>
-            </a:r>
-            <a:r>
-              <a:rPr lang="zh-CN" altLang="en-US" dirty="0" smtClean="0"/>
-              <a:t>数据结构</a:t>
-            </a:r>
-            <a:endParaRPr lang="en-US" altLang="zh-CN" dirty="0" smtClean="0"/>
-          </a:p>
-          <a:p>
-            <a:r>
-              <a:rPr lang="en-US" altLang="zh-CN" dirty="0" smtClean="0"/>
-              <a:t>For (</a:t>
-            </a:r>
-            <a:r>
-              <a:rPr lang="en-US" altLang="zh-CN" dirty="0" err="1" smtClean="0"/>
-              <a:t>int</a:t>
-            </a:r>
-            <a:r>
-              <a:rPr lang="en-US" altLang="zh-CN" dirty="0" smtClean="0"/>
-              <a:t> </a:t>
-            </a:r>
-            <a:r>
-              <a:rPr lang="en-US" altLang="zh-CN" dirty="0"/>
-              <a:t>j</a:t>
-            </a:r>
-            <a:r>
-              <a:rPr lang="en-US" altLang="zh-CN" dirty="0" smtClean="0"/>
-              <a:t>=0; j&lt;20; j++)</a:t>
-            </a:r>
-          </a:p>
-          <a:p>
-            <a:r>
-              <a:rPr lang="en-US" altLang="zh-CN" dirty="0" smtClean="0"/>
-              <a:t>{</a:t>
-            </a:r>
-          </a:p>
-          <a:p>
-            <a:pPr lvl="1"/>
-            <a:r>
-              <a:rPr lang="en-US" altLang="zh-CN" dirty="0" smtClean="0"/>
-              <a:t>If (view[</a:t>
-            </a:r>
-            <a:r>
-              <a:rPr lang="en-US" altLang="zh-CN" dirty="0" err="1" smtClean="0"/>
-              <a:t>i</a:t>
-            </a:r>
-            <a:r>
-              <a:rPr lang="en-US" altLang="zh-CN" dirty="0" smtClean="0"/>
-              <a:t>][j]) </a:t>
-            </a:r>
-          </a:p>
-          <a:p>
-            <a:pPr lvl="2"/>
-            <a:r>
-              <a:rPr lang="zh-CN" altLang="en-US" dirty="0" smtClean="0"/>
-              <a:t>第</a:t>
-            </a:r>
-            <a:r>
-              <a:rPr lang="en-US" altLang="zh-CN" dirty="0" err="1" smtClean="0"/>
-              <a:t>i</a:t>
-            </a:r>
-            <a:r>
-              <a:rPr lang="zh-CN" altLang="en-US" dirty="0" smtClean="0"/>
-              <a:t>行第</a:t>
-            </a:r>
-            <a:r>
-              <a:rPr lang="en-US" altLang="zh-CN" dirty="0" smtClean="0"/>
-              <a:t>j</a:t>
-            </a:r>
-            <a:r>
-              <a:rPr lang="zh-CN" altLang="en-US" dirty="0" smtClean="0"/>
-              <a:t>列有方块</a:t>
-            </a:r>
-            <a:endParaRPr lang="en-US" altLang="zh-CN" dirty="0" smtClean="0"/>
-          </a:p>
-          <a:p>
-            <a:pPr marL="301943" lvl="1" indent="0">
-              <a:buNone/>
-            </a:pPr>
-            <a:r>
-              <a:rPr lang="en-US" altLang="zh-CN" dirty="0" smtClean="0"/>
-              <a:t>}</a:t>
-            </a:r>
-          </a:p>
-          <a:p>
-            <a:pPr marL="301943" lvl="1" indent="0">
-              <a:buNone/>
-            </a:pPr>
-            <a:r>
-              <a:rPr lang="zh-CN" altLang="en-US" dirty="0" smtClean="0"/>
-              <a:t>循环</a:t>
-            </a:r>
-            <a:r>
-              <a:rPr lang="en-US" altLang="zh-CN" dirty="0" smtClean="0"/>
-              <a:t>20</a:t>
-            </a:r>
-            <a:r>
-              <a:rPr lang="zh-CN" altLang="en-US" dirty="0" smtClean="0"/>
-              <a:t>次</a:t>
-            </a:r>
-            <a:endParaRPr lang="zh-CN" altLang="en-US" dirty="0"/>
-          </a:p>
-        </p:txBody>
-      </p:sp>
-      <p:sp>
-        <p:nvSpPr>
-          <p:cNvPr id="5" name="文本占位符 4"/>
-          <p:cNvSpPr>
-            <a:spLocks noGrp="1"/>
-          </p:cNvSpPr>
-          <p:nvPr>
-            <p:ph type="body" sz="quarter" idx="3"/>
-          </p:nvPr>
-        </p:nvSpPr>
-        <p:spPr/>
-        <p:txBody>
-          <a:bodyPr/>
-          <a:lstStyle/>
-          <a:p>
-            <a:r>
-              <a:rPr lang="zh-CN" altLang="en-US" dirty="0" smtClean="0"/>
-              <a:t>位运算</a:t>
-            </a:r>
-            <a:endParaRPr lang="zh-CN" altLang="en-US" dirty="0"/>
-          </a:p>
-        </p:txBody>
-      </p:sp>
-      <p:sp>
-        <p:nvSpPr>
-          <p:cNvPr id="6" name="内容占位符 5"/>
-          <p:cNvSpPr>
-            <a:spLocks noGrp="1"/>
-          </p:cNvSpPr>
-          <p:nvPr>
-            <p:ph sz="quarter" idx="4"/>
-          </p:nvPr>
-        </p:nvSpPr>
-        <p:spPr>
+      <p:pic>
+        <p:nvPicPr>
+          <p:cNvPr id="1026" name="Picture 2" descr="C:\Users\飘飘乎居士\Desktop\无标题.png"/>
+          <p:cNvPicPr>
+            <a:picLocks noChangeAspect="1" noChangeArrowheads="1"/>
+          </p:cNvPicPr>
+          <p:nvPr/>
+        </p:nvPicPr>
+        <p:blipFill>
+          <a:blip r:embed="rId2">
+            <a:extLst>
+              <a:ext uri="{28A0092B-C50C-407E-A947-70E740481C1C}">
+                <a14:useLocalDpi xmlns:a14="http://schemas.microsoft.com/office/drawing/2010/main" val="0"/>
+              </a:ext>
+            </a:extLst>
+          </a:blip>
+          <a:srcRect/>
+          <a:stretch>
+            <a:fillRect/>
+          </a:stretch>
+        </p:blipFill>
+        <p:spPr bwMode="auto">
           <a:xfrm>
-            <a:off x="4644008" y="3429000"/>
-            <a:ext cx="3823209" cy="2697163"/>
-          </a:xfrm>
-        </p:spPr>
-        <p:txBody>
-          <a:bodyPr>
-            <a:normAutofit fontScale="85000" lnSpcReduction="20000"/>
-          </a:bodyPr>
-          <a:lstStyle/>
-          <a:p>
-            <a:r>
-              <a:rPr lang="zh-CN" altLang="en-US" dirty="0" smtClean="0"/>
-              <a:t>采用 </a:t>
-            </a:r>
-            <a:r>
-              <a:rPr lang="en-US" altLang="zh-CN" dirty="0" err="1"/>
-              <a:t>int</a:t>
-            </a:r>
-            <a:r>
-              <a:rPr lang="en-US" altLang="zh-CN" dirty="0"/>
-              <a:t> view[25]</a:t>
-            </a:r>
-            <a:r>
-              <a:rPr lang="zh-CN" altLang="en-US" dirty="0"/>
-              <a:t>的</a:t>
-            </a:r>
-            <a:r>
-              <a:rPr lang="zh-CN" altLang="en-US" dirty="0" smtClean="0"/>
-              <a:t>数据结构</a:t>
-            </a:r>
-            <a:endParaRPr lang="en-US" altLang="zh-CN" dirty="0" smtClean="0"/>
-          </a:p>
-          <a:p>
-            <a:r>
-              <a:rPr lang="en-US" altLang="zh-CN" dirty="0" err="1" smtClean="0"/>
-              <a:t>Int</a:t>
-            </a:r>
-            <a:r>
-              <a:rPr lang="en-US" altLang="zh-CN" dirty="0" smtClean="0"/>
-              <a:t> x=view[</a:t>
-            </a:r>
-            <a:r>
-              <a:rPr lang="en-US" altLang="zh-CN" dirty="0" err="1" smtClean="0"/>
-              <a:t>i</a:t>
-            </a:r>
-            <a:r>
-              <a:rPr lang="en-US" altLang="zh-CN" dirty="0" smtClean="0"/>
-              <a:t>];</a:t>
-            </a:r>
-          </a:p>
-          <a:p>
-            <a:r>
-              <a:rPr lang="en-US" altLang="zh-CN" dirty="0" smtClean="0"/>
-              <a:t>While (x!=0)</a:t>
-            </a:r>
-          </a:p>
-          <a:p>
-            <a:r>
-              <a:rPr lang="en-US" altLang="zh-CN" dirty="0" smtClean="0"/>
-              <a:t>{</a:t>
-            </a:r>
-          </a:p>
-          <a:p>
-            <a:pPr marL="301943" lvl="1" indent="0">
-              <a:buNone/>
-            </a:pPr>
-            <a:r>
-              <a:rPr lang="en-US" altLang="zh-CN" dirty="0" smtClean="0"/>
-              <a:t>   </a:t>
-            </a:r>
-            <a:r>
-              <a:rPr lang="en-US" altLang="zh-CN" dirty="0" err="1" smtClean="0"/>
-              <a:t>int</a:t>
-            </a:r>
-            <a:r>
-              <a:rPr lang="en-US" altLang="zh-CN" dirty="0" smtClean="0"/>
-              <a:t> column=x &amp; (x ^ (x-1))  ;</a:t>
-            </a:r>
-          </a:p>
-          <a:p>
-            <a:pPr marL="301943" lvl="1" indent="0">
-              <a:buNone/>
-            </a:pPr>
-            <a:r>
-              <a:rPr lang="en-US" altLang="zh-CN" dirty="0"/>
-              <a:t> </a:t>
-            </a:r>
-            <a:r>
-              <a:rPr lang="en-US" altLang="zh-CN" dirty="0" smtClean="0"/>
-              <a:t>  </a:t>
-            </a:r>
-            <a:r>
-              <a:rPr lang="zh-CN" altLang="en-US" dirty="0" smtClean="0"/>
-              <a:t>则</a:t>
-            </a:r>
-            <a:r>
-              <a:rPr lang="en-US" altLang="zh-CN" dirty="0" smtClean="0"/>
-              <a:t>log2(column)</a:t>
-            </a:r>
-            <a:r>
-              <a:rPr lang="zh-CN" altLang="en-US" dirty="0" smtClean="0"/>
-              <a:t>列有方块</a:t>
-            </a:r>
-            <a:endParaRPr lang="en-US" altLang="zh-CN" dirty="0" smtClean="0"/>
-          </a:p>
-          <a:p>
-            <a:pPr marL="301943" lvl="1" indent="0">
-              <a:buNone/>
-            </a:pPr>
-            <a:r>
-              <a:rPr lang="en-US" altLang="zh-CN" dirty="0"/>
-              <a:t> </a:t>
-            </a:r>
-            <a:r>
-              <a:rPr lang="en-US" altLang="zh-CN" dirty="0" smtClean="0"/>
-              <a:t>   x=x-column;</a:t>
-            </a:r>
-            <a:br>
-              <a:rPr lang="en-US" altLang="zh-CN" dirty="0" smtClean="0"/>
-            </a:br>
-            <a:r>
-              <a:rPr lang="en-US" altLang="zh-CN" dirty="0" smtClean="0"/>
-              <a:t>}</a:t>
-            </a:r>
-          </a:p>
-          <a:p>
-            <a:pPr marL="301943" lvl="1" indent="0">
-              <a:buNone/>
-            </a:pPr>
-            <a:r>
-              <a:rPr lang="en-US" altLang="zh-CN" dirty="0"/>
-              <a:t>x</a:t>
-            </a:r>
-            <a:r>
-              <a:rPr lang="en-US" altLang="zh-CN" dirty="0" smtClean="0"/>
-              <a:t>&amp;(x ^</a:t>
-            </a:r>
-            <a:r>
-              <a:rPr lang="zh-CN" altLang="en-US" dirty="0" smtClean="0"/>
-              <a:t>（</a:t>
-            </a:r>
-            <a:r>
-              <a:rPr lang="en-US" altLang="zh-CN" dirty="0" smtClean="0"/>
-              <a:t>x-1</a:t>
-            </a:r>
-            <a:r>
-              <a:rPr lang="zh-CN" altLang="en-US" dirty="0" smtClean="0"/>
-              <a:t>）</a:t>
-            </a:r>
-            <a:r>
-              <a:rPr lang="en-US" altLang="zh-CN" dirty="0" smtClean="0"/>
-              <a:t>)</a:t>
-            </a:r>
-            <a:r>
-              <a:rPr lang="zh-CN" altLang="en-US" dirty="0" smtClean="0"/>
-              <a:t>的意思是取出右数第一个</a:t>
-            </a:r>
-            <a:r>
-              <a:rPr lang="en-US" altLang="zh-CN" dirty="0" smtClean="0"/>
-              <a:t>1</a:t>
-            </a:r>
-            <a:r>
-              <a:rPr lang="zh-CN" altLang="en-US" dirty="0" smtClean="0"/>
-              <a:t>，例如</a:t>
-            </a:r>
-            <a:r>
-              <a:rPr lang="en-US" altLang="zh-CN" dirty="0" smtClean="0"/>
-              <a:t>110100</a:t>
-            </a:r>
-            <a:r>
-              <a:rPr lang="zh-CN" altLang="en-US" dirty="0" smtClean="0"/>
-              <a:t>，经过这个运算后得到</a:t>
-            </a:r>
-            <a:r>
-              <a:rPr lang="en-US" altLang="zh-CN" dirty="0" smtClean="0"/>
-              <a:t>100</a:t>
-            </a:r>
-          </a:p>
-          <a:p>
-            <a:pPr marL="301943" lvl="1" indent="0">
-              <a:buNone/>
-            </a:pPr>
-            <a:r>
-              <a:rPr lang="zh-CN" altLang="en-US" dirty="0" smtClean="0"/>
-              <a:t>第</a:t>
-            </a:r>
-            <a:r>
-              <a:rPr lang="en-US" altLang="zh-CN" dirty="0" err="1" smtClean="0"/>
-              <a:t>i</a:t>
-            </a:r>
-            <a:r>
-              <a:rPr lang="zh-CN" altLang="en-US" dirty="0" smtClean="0"/>
-              <a:t>行有多少个方块循环多少次</a:t>
-            </a:r>
-            <a:endParaRPr lang="en-US" altLang="zh-CN" dirty="0"/>
-          </a:p>
-        </p:txBody>
-      </p:sp>
-      <p:sp>
-        <p:nvSpPr>
-          <p:cNvPr id="7" name="TextBox 6"/>
-          <p:cNvSpPr txBox="1"/>
-          <p:nvPr/>
-        </p:nvSpPr>
-        <p:spPr>
-          <a:xfrm>
-            <a:off x="2339752" y="1556792"/>
-            <a:ext cx="4104456" cy="369332"/>
+            <a:off x="1187624" y="4077072"/>
+            <a:ext cx="3505200" cy="1695450"/>
           </a:xfrm>
           <a:prstGeom prst="rect">
             <a:avLst/>
           </a:prstGeom>
           <a:noFill/>
+          <a:extLst>
+            <a:ext uri="{909E8E84-426E-40DD-AFC4-6F175D3DCCD1}">
+              <a14:hiddenFill xmlns:a14="http://schemas.microsoft.com/office/drawing/2010/main">
+                <a:solidFill>
+                  <a:srgbClr val="FFFFFF"/>
+                </a:solidFill>
+              </a14:hiddenFill>
+            </a:ext>
+          </a:extLst>
         </p:spPr>
-        <p:txBody>
-          <a:bodyPr wrap="square" rtlCol="0">
-            <a:spAutoFit/>
-          </a:bodyPr>
-          <a:lstStyle/>
-          <a:p>
-            <a:r>
-              <a:rPr lang="zh-CN" altLang="en-US" dirty="0" smtClean="0"/>
-              <a:t>判断第</a:t>
-            </a:r>
-            <a:r>
-              <a:rPr lang="en-US" altLang="zh-CN" dirty="0" err="1" smtClean="0"/>
-              <a:t>i</a:t>
-            </a:r>
-            <a:r>
-              <a:rPr lang="zh-CN" altLang="en-US" dirty="0" smtClean="0"/>
-              <a:t>行哪些位置有方块</a:t>
-            </a:r>
-            <a:endParaRPr lang="zh-CN" altLang="en-US" dirty="0"/>
-          </a:p>
-        </p:txBody>
-      </p:sp>
+      </p:pic>
     </p:spTree>
     <p:extLst>
       <p:ext uri="{BB962C8B-B14F-4D97-AF65-F5344CB8AC3E}">
-        <p14:creationId xmlns:p14="http://schemas.microsoft.com/office/powerpoint/2010/main" val="3671421340"/>
+        <p14:creationId xmlns:p14="http://schemas.microsoft.com/office/powerpoint/2010/main" val="3312534680"/>
       </p:ext>
     </p:extLst>
   </p:cSld>
   <p:clrMapOvr>
     <a:masterClrMapping/>
   </p:clrMapOvr>
-  <p:timing>
-    <p:tnLst>
-      <p:par>
-        <p:cTn id="1" dur="indefinite" restart="never" nodeType="tmRoot"/>
-      </p:par>
-    </p:tnLst>
-  </p:timing>
 </p:sld>
 </file>
 
